--- a/modules/PPT/ManagementProcess.pptx
+++ b/modules/PPT/ManagementProcess.pptx
@@ -9,9 +9,9 @@
   </p:notesMasterIdLst>
   <p:sldIdLst>
     <p:sldId id="256" r:id="rId2"/>
-    <p:sldId id="276" r:id="rId3"/>
-    <p:sldId id="270" r:id="rId4"/>
-    <p:sldId id="277" r:id="rId5"/>
+    <p:sldId id="270" r:id="rId3"/>
+    <p:sldId id="277" r:id="rId4"/>
+    <p:sldId id="295" r:id="rId5"/>
     <p:sldId id="268" r:id="rId6"/>
     <p:sldId id="294" r:id="rId7"/>
     <p:sldId id="269" r:id="rId8"/>
@@ -668,96 +668,6 @@
           <a:bodyPr/>
           <a:lstStyle/>
           <a:p>
-            <a:endParaRPr lang="en-US" dirty="0"/>
-          </a:p>
-        </p:txBody>
-      </p:sp>
-      <p:sp>
-        <p:nvSpPr>
-          <p:cNvPr id="4" name="Slide Number Placeholder 3"/>
-          <p:cNvSpPr>
-            <a:spLocks noGrp="1"/>
-          </p:cNvSpPr>
-          <p:nvPr>
-            <p:ph type="sldNum" sz="quarter" idx="10"/>
-          </p:nvPr>
-        </p:nvSpPr>
-        <p:spPr/>
-        <p:txBody>
-          <a:bodyPr/>
-          <a:lstStyle/>
-          <a:p>
-            <a:pPr>
-              <a:defRPr/>
-            </a:pPr>
-            <a:fld id="{A2E2256A-A507-439D-B2F3-19A96F092749}" type="slidenum">
-              <a:rPr lang="en-US" smtClean="0"/>
-              <a:pPr>
-                <a:defRPr/>
-              </a:pPr>
-              <a:t>2</a:t>
-            </a:fld>
-            <a:endParaRPr lang="en-US"/>
-          </a:p>
-        </p:txBody>
-      </p:sp>
-    </p:spTree>
-    <p:extLst>
-      <p:ext uri="{BB962C8B-B14F-4D97-AF65-F5344CB8AC3E}">
-        <p14:creationId xmlns:p14="http://schemas.microsoft.com/office/powerpoint/2010/main" val="3826440508"/>
-      </p:ext>
-    </p:extLst>
-  </p:cSld>
-  <p:clrMapOvr>
-    <a:masterClrMapping/>
-  </p:clrMapOvr>
-</p:notes>
-</file>
-
-<file path=ppt/notesSlides/notesSlide2.xml><?xml version="1.0" encoding="utf-8"?>
-<p:notes xmlns:a="http://schemas.openxmlformats.org/drawingml/2006/main" xmlns:r="http://schemas.openxmlformats.org/officeDocument/2006/relationships" xmlns:p="http://schemas.openxmlformats.org/presentationml/2006/main">
-  <p:cSld>
-    <p:spTree>
-      <p:nvGrpSpPr>
-        <p:cNvPr id="1" name=""/>
-        <p:cNvGrpSpPr/>
-        <p:nvPr/>
-      </p:nvGrpSpPr>
-      <p:grpSpPr>
-        <a:xfrm>
-          <a:off x="0" y="0"/>
-          <a:ext cx="0" cy="0"/>
-          <a:chOff x="0" y="0"/>
-          <a:chExt cx="0" cy="0"/>
-        </a:xfrm>
-      </p:grpSpPr>
-      <p:sp>
-        <p:nvSpPr>
-          <p:cNvPr id="2" name="Slide Image Placeholder 1"/>
-          <p:cNvSpPr>
-            <a:spLocks noGrp="1" noRot="1" noChangeAspect="1"/>
-          </p:cNvSpPr>
-          <p:nvPr>
-            <p:ph type="sldImg"/>
-          </p:nvPr>
-        </p:nvSpPr>
-        <p:spPr/>
-      </p:sp>
-      <p:sp>
-        <p:nvSpPr>
-          <p:cNvPr id="3" name="Notes Placeholder 2"/>
-          <p:cNvSpPr>
-            <a:spLocks noGrp="1"/>
-          </p:cNvSpPr>
-          <p:nvPr>
-            <p:ph type="body" idx="1"/>
-          </p:nvPr>
-        </p:nvSpPr>
-        <p:spPr/>
-        <p:txBody>
-          <a:bodyPr/>
-          <a:lstStyle/>
-          <a:p>
             <a:pPr eaLnBrk="1" hangingPunct="1"/>
             <a:r>
               <a:rPr lang="en-US" b="1" dirty="0" smtClean="0"/>
@@ -995,9 +905,10 @@
               <a:defRPr/>
             </a:pPr>
             <a:r>
-              <a:rPr lang="en-US"/>
-              <a:t>Introduction</a:t>
-            </a:r>
+              <a:rPr lang="en-US" smtClean="0"/>
+              <a:t>Management Process</a:t>
+            </a:r>
+            <a:endParaRPr lang="en-US"/>
           </a:p>
         </p:txBody>
       </p:sp>
@@ -1166,9 +1077,10 @@
               <a:defRPr/>
             </a:pPr>
             <a:r>
-              <a:rPr lang="en-US"/>
-              <a:t>Introduction</a:t>
-            </a:r>
+              <a:rPr lang="en-US" smtClean="0"/>
+              <a:t>Management Process</a:t>
+            </a:r>
+            <a:endParaRPr lang="en-US"/>
           </a:p>
         </p:txBody>
       </p:sp>
@@ -1347,9 +1259,10 @@
               <a:defRPr/>
             </a:pPr>
             <a:r>
-              <a:rPr lang="en-US"/>
-              <a:t>Introduction</a:t>
-            </a:r>
+              <a:rPr lang="en-US" smtClean="0"/>
+              <a:t>Management Process</a:t>
+            </a:r>
+            <a:endParaRPr lang="en-US"/>
           </a:p>
         </p:txBody>
       </p:sp>
@@ -1434,10 +1347,10 @@
           <a:lstStyle/>
           <a:p>
             <a:r>
-              <a:rPr lang="en-US" smtClean="0"/>
+              <a:rPr lang="en-US" dirty="0" smtClean="0"/>
               <a:t>Click to edit Master title style</a:t>
             </a:r>
-            <a:endParaRPr lang="en-US"/>
+            <a:endParaRPr lang="en-US" dirty="0"/>
           </a:p>
         </p:txBody>
       </p:sp>
@@ -1518,9 +1431,10 @@
               <a:defRPr/>
             </a:pPr>
             <a:r>
-              <a:rPr lang="en-US"/>
-              <a:t>Introduction</a:t>
-            </a:r>
+              <a:rPr lang="en-US" smtClean="0"/>
+              <a:t>Management Process</a:t>
+            </a:r>
+            <a:endParaRPr lang="en-US"/>
           </a:p>
         </p:txBody>
       </p:sp>
@@ -1569,6 +1483,13 @@
   <p:clrMapOvr>
     <a:masterClrMapping/>
   </p:clrMapOvr>
+  <p:timing>
+    <p:tnLst>
+      <p:par>
+        <p:cTn id="1" dur="indefinite" restart="never" nodeType="tmRoot"/>
+      </p:par>
+    </p:tnLst>
+  </p:timing>
 </p:sldLayout>
 </file>
 
@@ -1711,9 +1632,10 @@
               <a:defRPr/>
             </a:pPr>
             <a:r>
-              <a:rPr lang="en-US"/>
-              <a:t>Introduction</a:t>
-            </a:r>
+              <a:rPr lang="en-US" smtClean="0"/>
+              <a:t>Management Process</a:t>
+            </a:r>
+            <a:endParaRPr lang="en-US"/>
           </a:p>
         </p:txBody>
       </p:sp>
@@ -2000,9 +1922,10 @@
               <a:defRPr/>
             </a:pPr>
             <a:r>
-              <a:rPr lang="en-US"/>
-              <a:t>Introduction</a:t>
-            </a:r>
+              <a:rPr lang="en-US" smtClean="0"/>
+              <a:t>Management Process</a:t>
+            </a:r>
+            <a:endParaRPr lang="en-US"/>
           </a:p>
         </p:txBody>
       </p:sp>
@@ -2428,9 +2351,10 @@
               <a:defRPr/>
             </a:pPr>
             <a:r>
-              <a:rPr lang="en-US"/>
-              <a:t>Introduction</a:t>
-            </a:r>
+              <a:rPr lang="en-US" smtClean="0"/>
+              <a:t>Management Process</a:t>
+            </a:r>
+            <a:endParaRPr lang="en-US"/>
           </a:p>
         </p:txBody>
       </p:sp>
@@ -2547,9 +2471,10 @@
               <a:defRPr/>
             </a:pPr>
             <a:r>
-              <a:rPr lang="en-US"/>
-              <a:t>Introduction</a:t>
-            </a:r>
+              <a:rPr lang="en-US" smtClean="0"/>
+              <a:t>Management Process</a:t>
+            </a:r>
+            <a:endParaRPr lang="en-US"/>
           </a:p>
         </p:txBody>
       </p:sp>
@@ -2643,9 +2568,10 @@
               <a:defRPr/>
             </a:pPr>
             <a:r>
-              <a:rPr lang="en-US"/>
-              <a:t>Introduction</a:t>
-            </a:r>
+              <a:rPr lang="en-US" smtClean="0"/>
+              <a:t>Management Process</a:t>
+            </a:r>
+            <a:endParaRPr lang="en-US"/>
           </a:p>
         </p:txBody>
       </p:sp>
@@ -2921,9 +2847,10 @@
               <a:defRPr/>
             </a:pPr>
             <a:r>
-              <a:rPr lang="en-US"/>
-              <a:t>Introduction</a:t>
-            </a:r>
+              <a:rPr lang="en-US" smtClean="0"/>
+              <a:t>Management Process</a:t>
+            </a:r>
+            <a:endParaRPr lang="en-US"/>
           </a:p>
         </p:txBody>
       </p:sp>
@@ -3176,9 +3103,10 @@
               <a:defRPr/>
             </a:pPr>
             <a:r>
-              <a:rPr lang="en-US"/>
-              <a:t>Introduction</a:t>
-            </a:r>
+              <a:rPr lang="en-US" smtClean="0"/>
+              <a:t>Management Process</a:t>
+            </a:r>
+            <a:endParaRPr lang="en-US"/>
           </a:p>
         </p:txBody>
       </p:sp>
@@ -3496,9 +3424,10 @@
               <a:defRPr/>
             </a:pPr>
             <a:r>
-              <a:rPr lang="en-US"/>
-              <a:t>Introduction</a:t>
-            </a:r>
+              <a:rPr lang="en-US" smtClean="0"/>
+              <a:t>Management Process</a:t>
+            </a:r>
+            <a:endParaRPr lang="en-US"/>
           </a:p>
         </p:txBody>
       </p:sp>
@@ -3975,9 +3904,10 @@
           <a:p>
             <a:pPr eaLnBrk="1" hangingPunct="1"/>
             <a:r>
-              <a:rPr lang="en-US" smtClean="0"/>
-              <a:t>Introduction</a:t>
-            </a:r>
+              <a:rPr lang="en-US" dirty="0" smtClean="0"/>
+              <a:t>Management Process</a:t>
+            </a:r>
+            <a:endParaRPr lang="en-US" dirty="0" smtClean="0"/>
           </a:p>
         </p:txBody>
       </p:sp>
@@ -4150,8 +4080,9 @@
             <a:pPr eaLnBrk="1" hangingPunct="1"/>
             <a:r>
               <a:rPr lang="en-US" smtClean="0"/>
-              <a:t>Introduction</a:t>
-            </a:r>
+              <a:t>Management Process</a:t>
+            </a:r>
+            <a:endParaRPr lang="en-US" smtClean="0"/>
           </a:p>
         </p:txBody>
       </p:sp>
@@ -5106,8 +5037,9 @@
             <a:pPr eaLnBrk="1" hangingPunct="1"/>
             <a:r>
               <a:rPr lang="en-US" smtClean="0"/>
-              <a:t>Introduction</a:t>
-            </a:r>
+              <a:t>Management Process</a:t>
+            </a:r>
+            <a:endParaRPr lang="en-US" smtClean="0"/>
           </a:p>
         </p:txBody>
       </p:sp>
@@ -5536,2190 +5468,6 @@
       </p:grpSpPr>
       <p:sp>
         <p:nvSpPr>
-          <p:cNvPr id="2" name="Title 1"/>
-          <p:cNvSpPr>
-            <a:spLocks noGrp="1"/>
-          </p:cNvSpPr>
-          <p:nvPr>
-            <p:ph type="title"/>
-          </p:nvPr>
-        </p:nvSpPr>
-        <p:spPr>
-          <a:xfrm>
-            <a:off x="65088" y="0"/>
-            <a:ext cx="9012237" cy="597932"/>
-          </a:xfrm>
-        </p:spPr>
-        <p:txBody>
-          <a:bodyPr/>
-          <a:lstStyle/>
-          <a:p>
-            <a:r>
-              <a:rPr lang="en-US" dirty="0" smtClean="0"/>
-              <a:t>Environments of a Stock</a:t>
-            </a:r>
-            <a:endParaRPr lang="en-US" dirty="0"/>
-          </a:p>
-        </p:txBody>
-      </p:sp>
-      <p:sp>
-        <p:nvSpPr>
-          <p:cNvPr id="4" name="Footer Placeholder 3"/>
-          <p:cNvSpPr>
-            <a:spLocks noGrp="1"/>
-          </p:cNvSpPr>
-          <p:nvPr>
-            <p:ph type="ftr" sz="quarter" idx="10"/>
-          </p:nvPr>
-        </p:nvSpPr>
-        <p:spPr/>
-        <p:txBody>
-          <a:bodyPr/>
-          <a:lstStyle/>
-          <a:p>
-            <a:pPr>
-              <a:defRPr/>
-            </a:pPr>
-            <a:r>
-              <a:rPr lang="en-US" smtClean="0"/>
-              <a:t>Popn Ecology</a:t>
-            </a:r>
-            <a:endParaRPr lang="en-US"/>
-          </a:p>
-        </p:txBody>
-      </p:sp>
-      <p:sp>
-        <p:nvSpPr>
-          <p:cNvPr id="5" name="Slide Number Placeholder 4"/>
-          <p:cNvSpPr>
-            <a:spLocks noGrp="1"/>
-          </p:cNvSpPr>
-          <p:nvPr>
-            <p:ph type="sldNum" sz="quarter" idx="11"/>
-          </p:nvPr>
-        </p:nvSpPr>
-        <p:spPr/>
-        <p:txBody>
-          <a:bodyPr/>
-          <a:lstStyle/>
-          <a:p>
-            <a:pPr>
-              <a:defRPr/>
-            </a:pPr>
-            <a:fld id="{A4C5663D-8A97-4D07-AE54-B897400713C4}" type="slidenum">
-              <a:rPr lang="en-US" smtClean="0"/>
-              <a:pPr>
-                <a:defRPr/>
-              </a:pPr>
-              <a:t>2</a:t>
-            </a:fld>
-            <a:endParaRPr lang="en-US"/>
-          </a:p>
-        </p:txBody>
-      </p:sp>
-      <p:grpSp>
-        <p:nvGrpSpPr>
-          <p:cNvPr id="14" name="Group 13"/>
-          <p:cNvGrpSpPr/>
-          <p:nvPr/>
-        </p:nvGrpSpPr>
-        <p:grpSpPr>
-          <a:xfrm>
-            <a:off x="115956" y="685800"/>
-            <a:ext cx="8915400" cy="5943600"/>
-            <a:chOff x="76200" y="685800"/>
-            <a:chExt cx="8915400" cy="5943600"/>
-          </a:xfrm>
-        </p:grpSpPr>
-        <p:sp>
-          <p:nvSpPr>
-            <p:cNvPr id="6" name="Rounded Rectangle 5"/>
-            <p:cNvSpPr/>
-            <p:nvPr/>
-          </p:nvSpPr>
-          <p:spPr>
-            <a:xfrm>
-              <a:off x="76200" y="685800"/>
-              <a:ext cx="8915400" cy="5943600"/>
-            </a:xfrm>
-            <a:prstGeom prst="roundRect">
-              <a:avLst/>
-            </a:prstGeom>
-            <a:solidFill>
-              <a:srgbClr val="FFFF99"/>
-            </a:solidFill>
-            <a:ln>
-              <a:solidFill>
-                <a:schemeClr val="tx1"/>
-              </a:solidFill>
-            </a:ln>
-          </p:spPr>
-          <p:style>
-            <a:lnRef idx="2">
-              <a:schemeClr val="accent1">
-                <a:shade val="50000"/>
-              </a:schemeClr>
-            </a:lnRef>
-            <a:fillRef idx="1">
-              <a:schemeClr val="accent1"/>
-            </a:fillRef>
-            <a:effectRef idx="0">
-              <a:schemeClr val="accent1"/>
-            </a:effectRef>
-            <a:fontRef idx="minor">
-              <a:schemeClr val="lt1"/>
-            </a:fontRef>
-          </p:style>
-          <p:txBody>
-            <a:bodyPr rtlCol="0" anchor="ctr"/>
-            <a:lstStyle/>
-            <a:p>
-              <a:pPr algn="ctr"/>
-              <a:endParaRPr lang="en-US" dirty="0"/>
-            </a:p>
-          </p:txBody>
-        </p:sp>
-        <p:sp>
-          <p:nvSpPr>
-            <p:cNvPr id="8" name="TextBox 7"/>
-            <p:cNvSpPr txBox="1"/>
-            <p:nvPr/>
-          </p:nvSpPr>
-          <p:spPr>
-            <a:xfrm>
-              <a:off x="609600" y="685800"/>
-              <a:ext cx="3935693" cy="461665"/>
-            </a:xfrm>
-            <a:prstGeom prst="rect">
-              <a:avLst/>
-            </a:prstGeom>
-            <a:noFill/>
-          </p:spPr>
-          <p:txBody>
-            <a:bodyPr wrap="none" rtlCol="0">
-              <a:spAutoFit/>
-            </a:bodyPr>
-            <a:lstStyle/>
-            <a:p>
-              <a:r>
-                <a:rPr lang="en-US" sz="2400" dirty="0" smtClean="0"/>
-                <a:t>Socio-Cultural Environment</a:t>
-              </a:r>
-              <a:endParaRPr lang="en-US" sz="2400" dirty="0"/>
-            </a:p>
-          </p:txBody>
-        </p:sp>
-      </p:grpSp>
-      <p:grpSp>
-        <p:nvGrpSpPr>
-          <p:cNvPr id="13" name="Group 12"/>
-          <p:cNvGrpSpPr/>
-          <p:nvPr/>
-        </p:nvGrpSpPr>
-        <p:grpSpPr>
-          <a:xfrm>
-            <a:off x="563217" y="1216751"/>
-            <a:ext cx="8001000" cy="5031649"/>
-            <a:chOff x="533400" y="1216751"/>
-            <a:chExt cx="8001000" cy="5031649"/>
-          </a:xfrm>
-        </p:grpSpPr>
-        <p:sp>
-          <p:nvSpPr>
-            <p:cNvPr id="9" name="Rounded Rectangle 8"/>
-            <p:cNvSpPr/>
-            <p:nvPr/>
-          </p:nvSpPr>
-          <p:spPr>
-            <a:xfrm>
-              <a:off x="533400" y="1216751"/>
-              <a:ext cx="8001000" cy="5031649"/>
-            </a:xfrm>
-            <a:prstGeom prst="roundRect">
-              <a:avLst/>
-            </a:prstGeom>
-            <a:solidFill>
-              <a:srgbClr val="764F00"/>
-            </a:solidFill>
-            <a:ln>
-              <a:solidFill>
-                <a:schemeClr val="tx1"/>
-              </a:solidFill>
-            </a:ln>
-          </p:spPr>
-          <p:style>
-            <a:lnRef idx="2">
-              <a:schemeClr val="accent1">
-                <a:shade val="50000"/>
-              </a:schemeClr>
-            </a:lnRef>
-            <a:fillRef idx="1">
-              <a:schemeClr val="accent1"/>
-            </a:fillRef>
-            <a:effectRef idx="0">
-              <a:schemeClr val="accent1"/>
-            </a:effectRef>
-            <a:fontRef idx="minor">
-              <a:schemeClr val="lt1"/>
-            </a:fontRef>
-          </p:style>
-          <p:txBody>
-            <a:bodyPr rtlCol="0" anchor="ctr"/>
-            <a:lstStyle/>
-            <a:p>
-              <a:pPr algn="ctr"/>
-              <a:endParaRPr lang="en-US" dirty="0"/>
-            </a:p>
-          </p:txBody>
-        </p:sp>
-        <p:sp>
-          <p:nvSpPr>
-            <p:cNvPr id="7" name="TextBox 6"/>
-            <p:cNvSpPr txBox="1"/>
-            <p:nvPr/>
-          </p:nvSpPr>
-          <p:spPr>
-            <a:xfrm>
-              <a:off x="990600" y="1219200"/>
-              <a:ext cx="3147015" cy="461665"/>
-            </a:xfrm>
-            <a:prstGeom prst="rect">
-              <a:avLst/>
-            </a:prstGeom>
-            <a:noFill/>
-          </p:spPr>
-          <p:txBody>
-            <a:bodyPr wrap="none" rtlCol="0">
-              <a:spAutoFit/>
-            </a:bodyPr>
-            <a:lstStyle/>
-            <a:p>
-              <a:r>
-                <a:rPr lang="en-US" sz="2400" dirty="0" smtClean="0">
-                  <a:solidFill>
-                    <a:srgbClr val="FFDC97"/>
-                  </a:solidFill>
-                </a:rPr>
-                <a:t>Physical Environment</a:t>
-              </a:r>
-              <a:endParaRPr lang="en-US" sz="2400" dirty="0">
-                <a:solidFill>
-                  <a:srgbClr val="FFDC97"/>
-                </a:solidFill>
-              </a:endParaRPr>
-            </a:p>
-          </p:txBody>
-        </p:sp>
-      </p:grpSp>
-      <p:sp>
-        <p:nvSpPr>
-          <p:cNvPr id="10" name="Rounded Rectangle 9"/>
-          <p:cNvSpPr/>
-          <p:nvPr/>
-        </p:nvSpPr>
-        <p:spPr>
-          <a:xfrm>
-            <a:off x="952500" y="1758232"/>
-            <a:ext cx="7239000" cy="4191000"/>
-          </a:xfrm>
-          <a:prstGeom prst="roundRect">
-            <a:avLst/>
-          </a:prstGeom>
-          <a:solidFill>
-            <a:srgbClr val="C5DCFF"/>
-          </a:solidFill>
-          <a:ln>
-            <a:solidFill>
-              <a:schemeClr val="tx1"/>
-            </a:solidFill>
-          </a:ln>
-        </p:spPr>
-        <p:style>
-          <a:lnRef idx="2">
-            <a:schemeClr val="accent1">
-              <a:shade val="50000"/>
-            </a:schemeClr>
-          </a:lnRef>
-          <a:fillRef idx="1">
-            <a:schemeClr val="accent1"/>
-          </a:fillRef>
-          <a:effectRef idx="0">
-            <a:schemeClr val="accent1"/>
-          </a:effectRef>
-          <a:fontRef idx="minor">
-            <a:schemeClr val="lt1"/>
-          </a:fontRef>
-        </p:style>
-        <p:txBody>
-          <a:bodyPr rtlCol="0" anchor="ctr"/>
-          <a:lstStyle/>
-          <a:p>
-            <a:pPr algn="ctr"/>
-            <a:endParaRPr lang="en-US" b="1" dirty="0"/>
-          </a:p>
-        </p:txBody>
-      </p:sp>
-      <p:sp>
-        <p:nvSpPr>
-          <p:cNvPr id="11" name="TextBox 10"/>
-          <p:cNvSpPr txBox="1"/>
-          <p:nvPr/>
-        </p:nvSpPr>
-        <p:spPr>
-          <a:xfrm>
-            <a:off x="1333500" y="1758232"/>
-            <a:ext cx="3004349" cy="461665"/>
-          </a:xfrm>
-          <a:prstGeom prst="rect">
-            <a:avLst/>
-          </a:prstGeom>
-          <a:noFill/>
-        </p:spPr>
-        <p:txBody>
-          <a:bodyPr wrap="none" rtlCol="0">
-            <a:spAutoFit/>
-          </a:bodyPr>
-          <a:lstStyle/>
-          <a:p>
-            <a:r>
-              <a:rPr lang="en-US" sz="2400" b="1" dirty="0" smtClean="0">
-                <a:solidFill>
-                  <a:schemeClr val="accent6"/>
-                </a:solidFill>
-              </a:rPr>
-              <a:t>Biotic Environment</a:t>
-            </a:r>
-            <a:endParaRPr lang="en-US" sz="2400" b="1" dirty="0">
-              <a:solidFill>
-                <a:schemeClr val="accent6"/>
-              </a:solidFill>
-            </a:endParaRPr>
-          </a:p>
-        </p:txBody>
-      </p:sp>
-      <p:sp>
-        <p:nvSpPr>
-          <p:cNvPr id="15" name="Rectangle 14"/>
-          <p:cNvSpPr/>
-          <p:nvPr/>
-        </p:nvSpPr>
-        <p:spPr>
-          <a:xfrm>
-            <a:off x="3667539" y="3352800"/>
-            <a:ext cx="1828800" cy="914400"/>
-          </a:xfrm>
-          <a:prstGeom prst="rect">
-            <a:avLst/>
-          </a:prstGeom>
-        </p:spPr>
-        <p:style>
-          <a:lnRef idx="2">
-            <a:schemeClr val="accent1">
-              <a:shade val="50000"/>
-            </a:schemeClr>
-          </a:lnRef>
-          <a:fillRef idx="1">
-            <a:schemeClr val="accent1"/>
-          </a:fillRef>
-          <a:effectRef idx="0">
-            <a:schemeClr val="accent1"/>
-          </a:effectRef>
-          <a:fontRef idx="minor">
-            <a:schemeClr val="lt1"/>
-          </a:fontRef>
-        </p:style>
-        <p:txBody>
-          <a:bodyPr rtlCol="0" anchor="ctr"/>
-          <a:lstStyle/>
-          <a:p>
-            <a:pPr algn="ctr"/>
-            <a:r>
-              <a:rPr lang="en-US" sz="2400" b="1" dirty="0" smtClean="0">
-                <a:solidFill>
-                  <a:schemeClr val="accent6"/>
-                </a:solidFill>
-              </a:rPr>
-              <a:t>Population</a:t>
-            </a:r>
-          </a:p>
-          <a:p>
-            <a:pPr algn="ctr"/>
-            <a:r>
-              <a:rPr lang="en-US" sz="2400" b="1" dirty="0" smtClean="0">
-                <a:solidFill>
-                  <a:schemeClr val="accent6"/>
-                </a:solidFill>
-              </a:rPr>
-              <a:t>Biomass</a:t>
-            </a:r>
-            <a:endParaRPr lang="en-US" sz="2400" b="1" dirty="0">
-              <a:solidFill>
-                <a:schemeClr val="accent6"/>
-              </a:solidFill>
-            </a:endParaRPr>
-          </a:p>
-        </p:txBody>
-      </p:sp>
-      <p:cxnSp>
-        <p:nvCxnSpPr>
-          <p:cNvPr id="17" name="Straight Arrow Connector 16"/>
-          <p:cNvCxnSpPr>
-            <a:stCxn id="23" idx="3"/>
-          </p:cNvCxnSpPr>
-          <p:nvPr/>
-        </p:nvCxnSpPr>
-        <p:spPr>
-          <a:xfrm>
-            <a:off x="3139440" y="2987040"/>
-            <a:ext cx="528099" cy="634116"/>
-          </a:xfrm>
-          <a:prstGeom prst="straightConnector1">
-            <a:avLst/>
-          </a:prstGeom>
-          <a:ln w="50800" cap="flat">
-            <a:solidFill>
-              <a:srgbClr val="FF0000"/>
-            </a:solidFill>
-            <a:round/>
-            <a:tailEnd type="stealth" w="lg" len="lg"/>
-          </a:ln>
-        </p:spPr>
-        <p:style>
-          <a:lnRef idx="1">
-            <a:schemeClr val="accent1"/>
-          </a:lnRef>
-          <a:fillRef idx="0">
-            <a:schemeClr val="accent1"/>
-          </a:fillRef>
-          <a:effectRef idx="0">
-            <a:schemeClr val="accent1"/>
-          </a:effectRef>
-          <a:fontRef idx="minor">
-            <a:schemeClr val="tx1"/>
-          </a:fontRef>
-        </p:style>
-      </p:cxnSp>
-      <p:cxnSp>
-        <p:nvCxnSpPr>
-          <p:cNvPr id="19" name="Straight Arrow Connector 18"/>
-          <p:cNvCxnSpPr>
-            <a:endCxn id="15" idx="2"/>
-          </p:cNvCxnSpPr>
-          <p:nvPr/>
-        </p:nvCxnSpPr>
-        <p:spPr>
-          <a:xfrm flipH="1" flipV="1">
-            <a:off x="4581939" y="4267200"/>
-            <a:ext cx="3110" cy="533400"/>
-          </a:xfrm>
-          <a:prstGeom prst="straightConnector1">
-            <a:avLst/>
-          </a:prstGeom>
-          <a:ln w="50800" cap="flat">
-            <a:solidFill>
-              <a:srgbClr val="33CC33"/>
-            </a:solidFill>
-            <a:round/>
-            <a:headEnd type="stealth" w="lg" len="med"/>
-            <a:tailEnd type="stealth" w="lg" len="lg"/>
-          </a:ln>
-        </p:spPr>
-        <p:style>
-          <a:lnRef idx="1">
-            <a:schemeClr val="accent1"/>
-          </a:lnRef>
-          <a:fillRef idx="0">
-            <a:schemeClr val="accent1"/>
-          </a:fillRef>
-          <a:effectRef idx="0">
-            <a:schemeClr val="accent1"/>
-          </a:effectRef>
-          <a:fontRef idx="minor">
-            <a:schemeClr val="tx1"/>
-          </a:fontRef>
-        </p:style>
-      </p:cxnSp>
-      <p:cxnSp>
-        <p:nvCxnSpPr>
-          <p:cNvPr id="20" name="Straight Arrow Connector 19"/>
-          <p:cNvCxnSpPr/>
-          <p:nvPr/>
-        </p:nvCxnSpPr>
-        <p:spPr>
-          <a:xfrm flipV="1">
-            <a:off x="3149379" y="4078356"/>
-            <a:ext cx="518160" cy="554604"/>
-          </a:xfrm>
-          <a:prstGeom prst="straightConnector1">
-            <a:avLst/>
-          </a:prstGeom>
-          <a:ln w="50800" cap="flat">
-            <a:solidFill>
-              <a:srgbClr val="FF0000"/>
-            </a:solidFill>
-            <a:round/>
-            <a:tailEnd type="stealth" w="lg" len="lg"/>
-          </a:ln>
-        </p:spPr>
-        <p:style>
-          <a:lnRef idx="1">
-            <a:schemeClr val="accent1"/>
-          </a:lnRef>
-          <a:fillRef idx="0">
-            <a:schemeClr val="accent1"/>
-          </a:fillRef>
-          <a:effectRef idx="0">
-            <a:schemeClr val="accent1"/>
-          </a:effectRef>
-          <a:fontRef idx="minor">
-            <a:schemeClr val="tx1"/>
-          </a:fontRef>
-        </p:style>
-      </p:cxnSp>
-      <p:sp>
-        <p:nvSpPr>
-          <p:cNvPr id="23" name="Rectangle 22"/>
-          <p:cNvSpPr/>
-          <p:nvPr/>
-        </p:nvSpPr>
-        <p:spPr>
-          <a:xfrm>
-            <a:off x="1447800" y="2667000"/>
-            <a:ext cx="1691640" cy="640080"/>
-          </a:xfrm>
-          <a:prstGeom prst="rect">
-            <a:avLst/>
-          </a:prstGeom>
-          <a:solidFill>
-            <a:srgbClr val="FFB8A7"/>
-          </a:solidFill>
-          <a:ln>
-            <a:solidFill>
-              <a:srgbClr val="FF0000"/>
-            </a:solidFill>
-          </a:ln>
-        </p:spPr>
-        <p:style>
-          <a:lnRef idx="2">
-            <a:schemeClr val="accent1">
-              <a:shade val="50000"/>
-            </a:schemeClr>
-          </a:lnRef>
-          <a:fillRef idx="1">
-            <a:schemeClr val="accent1"/>
-          </a:fillRef>
-          <a:effectRef idx="0">
-            <a:schemeClr val="accent1"/>
-          </a:effectRef>
-          <a:fontRef idx="minor">
-            <a:schemeClr val="lt1"/>
-          </a:fontRef>
-        </p:style>
-        <p:txBody>
-          <a:bodyPr rtlCol="0" anchor="ctr"/>
-          <a:lstStyle/>
-          <a:p>
-            <a:pPr algn="ctr"/>
-            <a:r>
-              <a:rPr lang="en-US" sz="2000" b="1" dirty="0" smtClean="0">
-                <a:solidFill>
-                  <a:srgbClr val="FF0000"/>
-                </a:solidFill>
-              </a:rPr>
-              <a:t>Recruitment</a:t>
-            </a:r>
-            <a:endParaRPr lang="en-US" b="1" dirty="0">
-              <a:solidFill>
-                <a:srgbClr val="FF0000"/>
-              </a:solidFill>
-            </a:endParaRPr>
-          </a:p>
-        </p:txBody>
-      </p:sp>
-      <p:sp>
-        <p:nvSpPr>
-          <p:cNvPr id="24" name="Rectangle 23"/>
-          <p:cNvSpPr/>
-          <p:nvPr/>
-        </p:nvSpPr>
-        <p:spPr>
-          <a:xfrm>
-            <a:off x="3718688" y="4800600"/>
-            <a:ext cx="1691640" cy="640080"/>
-          </a:xfrm>
-          <a:prstGeom prst="rect">
-            <a:avLst/>
-          </a:prstGeom>
-          <a:solidFill>
-            <a:srgbClr val="C0E399"/>
-          </a:solidFill>
-          <a:ln>
-            <a:solidFill>
-              <a:srgbClr val="33CC33"/>
-            </a:solidFill>
-          </a:ln>
-        </p:spPr>
-        <p:style>
-          <a:lnRef idx="2">
-            <a:schemeClr val="accent1">
-              <a:shade val="50000"/>
-            </a:schemeClr>
-          </a:lnRef>
-          <a:fillRef idx="1">
-            <a:schemeClr val="accent1"/>
-          </a:fillRef>
-          <a:effectRef idx="0">
-            <a:schemeClr val="accent1"/>
-          </a:effectRef>
-          <a:fontRef idx="minor">
-            <a:schemeClr val="lt1"/>
-          </a:fontRef>
-        </p:style>
-        <p:txBody>
-          <a:bodyPr rtlCol="0" anchor="ctr"/>
-          <a:lstStyle/>
-          <a:p>
-            <a:pPr algn="ctr"/>
-            <a:r>
-              <a:rPr lang="en-US" sz="2000" b="1" dirty="0" smtClean="0">
-                <a:solidFill>
-                  <a:srgbClr val="009900"/>
-                </a:solidFill>
-              </a:rPr>
-              <a:t>Growth</a:t>
-            </a:r>
-            <a:endParaRPr lang="en-US" sz="2000" b="1" dirty="0">
-              <a:solidFill>
-                <a:srgbClr val="009900"/>
-              </a:solidFill>
-            </a:endParaRPr>
-          </a:p>
-        </p:txBody>
-      </p:sp>
-      <p:sp>
-        <p:nvSpPr>
-          <p:cNvPr id="25" name="Rectangle 24"/>
-          <p:cNvSpPr/>
-          <p:nvPr/>
-        </p:nvSpPr>
-        <p:spPr>
-          <a:xfrm>
-            <a:off x="1457739" y="4312920"/>
-            <a:ext cx="1691640" cy="640080"/>
-          </a:xfrm>
-          <a:prstGeom prst="rect">
-            <a:avLst/>
-          </a:prstGeom>
-          <a:solidFill>
-            <a:srgbClr val="FFB8A7"/>
-          </a:solidFill>
-          <a:ln>
-            <a:solidFill>
-              <a:srgbClr val="FF0000"/>
-            </a:solidFill>
-            <a:prstDash val="dash"/>
-          </a:ln>
-        </p:spPr>
-        <p:style>
-          <a:lnRef idx="2">
-            <a:schemeClr val="accent1">
-              <a:shade val="50000"/>
-            </a:schemeClr>
-          </a:lnRef>
-          <a:fillRef idx="1">
-            <a:schemeClr val="accent1"/>
-          </a:fillRef>
-          <a:effectRef idx="0">
-            <a:schemeClr val="accent1"/>
-          </a:effectRef>
-          <a:fontRef idx="minor">
-            <a:schemeClr val="lt1"/>
-          </a:fontRef>
-        </p:style>
-        <p:txBody>
-          <a:bodyPr rtlCol="0" anchor="ctr"/>
-          <a:lstStyle/>
-          <a:p>
-            <a:pPr algn="ctr"/>
-            <a:r>
-              <a:rPr lang="en-US" sz="2000" dirty="0" smtClean="0">
-                <a:solidFill>
-                  <a:srgbClr val="FF0000"/>
-                </a:solidFill>
-              </a:rPr>
-              <a:t>Immigration</a:t>
-            </a:r>
-            <a:endParaRPr lang="en-US" dirty="0">
-              <a:solidFill>
-                <a:srgbClr val="FF0000"/>
-              </a:solidFill>
-            </a:endParaRPr>
-          </a:p>
-        </p:txBody>
-      </p:sp>
-      <p:cxnSp>
-        <p:nvCxnSpPr>
-          <p:cNvPr id="28" name="Straight Arrow Connector 27"/>
-          <p:cNvCxnSpPr>
-            <a:endCxn id="31" idx="1"/>
-          </p:cNvCxnSpPr>
-          <p:nvPr/>
-        </p:nvCxnSpPr>
-        <p:spPr>
-          <a:xfrm flipV="1">
-            <a:off x="5506278" y="2987040"/>
-            <a:ext cx="692427" cy="634116"/>
-          </a:xfrm>
-          <a:prstGeom prst="straightConnector1">
-            <a:avLst/>
-          </a:prstGeom>
-          <a:ln w="50800" cap="flat">
-            <a:solidFill>
-              <a:schemeClr val="tx1">
-                <a:lumMod val="75000"/>
-                <a:lumOff val="25000"/>
-              </a:schemeClr>
-            </a:solidFill>
-            <a:round/>
-            <a:tailEnd type="stealth" w="lg" len="lg"/>
-          </a:ln>
-        </p:spPr>
-        <p:style>
-          <a:lnRef idx="1">
-            <a:schemeClr val="accent1"/>
-          </a:lnRef>
-          <a:fillRef idx="0">
-            <a:schemeClr val="accent1"/>
-          </a:fillRef>
-          <a:effectRef idx="0">
-            <a:schemeClr val="accent1"/>
-          </a:effectRef>
-          <a:fontRef idx="minor">
-            <a:schemeClr val="tx1"/>
-          </a:fontRef>
-        </p:style>
-      </p:cxnSp>
-      <p:cxnSp>
-        <p:nvCxnSpPr>
-          <p:cNvPr id="29" name="Straight Arrow Connector 28"/>
-          <p:cNvCxnSpPr>
-            <a:endCxn id="32" idx="1"/>
-          </p:cNvCxnSpPr>
-          <p:nvPr/>
-        </p:nvCxnSpPr>
-        <p:spPr>
-          <a:xfrm>
-            <a:off x="5506278" y="3810000"/>
-            <a:ext cx="675861" cy="15240"/>
-          </a:xfrm>
-          <a:prstGeom prst="straightConnector1">
-            <a:avLst/>
-          </a:prstGeom>
-          <a:ln w="50800" cap="flat">
-            <a:solidFill>
-              <a:schemeClr val="tx1">
-                <a:lumMod val="75000"/>
-                <a:lumOff val="25000"/>
-              </a:schemeClr>
-            </a:solidFill>
-            <a:round/>
-            <a:tailEnd type="stealth" w="lg" len="lg"/>
-          </a:ln>
-        </p:spPr>
-        <p:style>
-          <a:lnRef idx="1">
-            <a:schemeClr val="accent1"/>
-          </a:lnRef>
-          <a:fillRef idx="0">
-            <a:schemeClr val="accent1"/>
-          </a:fillRef>
-          <a:effectRef idx="0">
-            <a:schemeClr val="accent1"/>
-          </a:effectRef>
-          <a:fontRef idx="minor">
-            <a:schemeClr val="tx1"/>
-          </a:fontRef>
-        </p:style>
-      </p:cxnSp>
-      <p:cxnSp>
-        <p:nvCxnSpPr>
-          <p:cNvPr id="30" name="Straight Arrow Connector 29"/>
-          <p:cNvCxnSpPr>
-            <a:endCxn id="33" idx="1"/>
-          </p:cNvCxnSpPr>
-          <p:nvPr/>
-        </p:nvCxnSpPr>
-        <p:spPr>
-          <a:xfrm>
-            <a:off x="5506278" y="4095054"/>
-            <a:ext cx="702366" cy="537906"/>
-          </a:xfrm>
-          <a:prstGeom prst="straightConnector1">
-            <a:avLst/>
-          </a:prstGeom>
-          <a:ln w="50800" cap="flat">
-            <a:solidFill>
-              <a:schemeClr val="tx1">
-                <a:lumMod val="75000"/>
-                <a:lumOff val="25000"/>
-              </a:schemeClr>
-            </a:solidFill>
-            <a:round/>
-            <a:tailEnd type="stealth" w="lg" len="lg"/>
-          </a:ln>
-        </p:spPr>
-        <p:style>
-          <a:lnRef idx="1">
-            <a:schemeClr val="accent1"/>
-          </a:lnRef>
-          <a:fillRef idx="0">
-            <a:schemeClr val="accent1"/>
-          </a:fillRef>
-          <a:effectRef idx="0">
-            <a:schemeClr val="accent1"/>
-          </a:effectRef>
-          <a:fontRef idx="minor">
-            <a:schemeClr val="tx1"/>
-          </a:fontRef>
-        </p:style>
-      </p:cxnSp>
-      <p:sp>
-        <p:nvSpPr>
-          <p:cNvPr id="31" name="Rectangle 30"/>
-          <p:cNvSpPr/>
-          <p:nvPr/>
-        </p:nvSpPr>
-        <p:spPr>
-          <a:xfrm>
-            <a:off x="6198705" y="2667000"/>
-            <a:ext cx="1691640" cy="640080"/>
-          </a:xfrm>
-          <a:prstGeom prst="rect">
-            <a:avLst/>
-          </a:prstGeom>
-          <a:solidFill>
-            <a:schemeClr val="bg2">
-              <a:lumMod val="40000"/>
-              <a:lumOff val="60000"/>
-            </a:schemeClr>
-          </a:solidFill>
-          <a:ln>
-            <a:solidFill>
-              <a:schemeClr val="tx1"/>
-            </a:solidFill>
-          </a:ln>
-        </p:spPr>
-        <p:style>
-          <a:lnRef idx="2">
-            <a:schemeClr val="accent1">
-              <a:shade val="50000"/>
-            </a:schemeClr>
-          </a:lnRef>
-          <a:fillRef idx="1">
-            <a:schemeClr val="accent1"/>
-          </a:fillRef>
-          <a:effectRef idx="0">
-            <a:schemeClr val="accent1"/>
-          </a:effectRef>
-          <a:fontRef idx="minor">
-            <a:schemeClr val="lt1"/>
-          </a:fontRef>
-        </p:style>
-        <p:txBody>
-          <a:bodyPr rtlCol="0" anchor="ctr"/>
-          <a:lstStyle/>
-          <a:p>
-            <a:pPr algn="ctr"/>
-            <a:r>
-              <a:rPr lang="en-US" sz="2000" b="1" dirty="0" smtClean="0">
-                <a:solidFill>
-                  <a:schemeClr val="tx1"/>
-                </a:solidFill>
-              </a:rPr>
-              <a:t>Natural Mortality</a:t>
-            </a:r>
-            <a:endParaRPr lang="en-US" b="1" dirty="0">
-              <a:solidFill>
-                <a:schemeClr val="tx1"/>
-              </a:solidFill>
-            </a:endParaRPr>
-          </a:p>
-        </p:txBody>
-      </p:sp>
-      <p:sp>
-        <p:nvSpPr>
-          <p:cNvPr id="32" name="Rectangle 31"/>
-          <p:cNvSpPr/>
-          <p:nvPr/>
-        </p:nvSpPr>
-        <p:spPr>
-          <a:xfrm>
-            <a:off x="6182139" y="3505200"/>
-            <a:ext cx="1691640" cy="640080"/>
-          </a:xfrm>
-          <a:prstGeom prst="rect">
-            <a:avLst/>
-          </a:prstGeom>
-          <a:solidFill>
-            <a:schemeClr val="bg2">
-              <a:lumMod val="40000"/>
-              <a:lumOff val="60000"/>
-            </a:schemeClr>
-          </a:solidFill>
-          <a:ln>
-            <a:solidFill>
-              <a:schemeClr val="tx1"/>
-            </a:solidFill>
-          </a:ln>
-        </p:spPr>
-        <p:style>
-          <a:lnRef idx="2">
-            <a:schemeClr val="accent1">
-              <a:shade val="50000"/>
-            </a:schemeClr>
-          </a:lnRef>
-          <a:fillRef idx="1">
-            <a:schemeClr val="accent1"/>
-          </a:fillRef>
-          <a:effectRef idx="0">
-            <a:schemeClr val="accent1"/>
-          </a:effectRef>
-          <a:fontRef idx="minor">
-            <a:schemeClr val="lt1"/>
-          </a:fontRef>
-        </p:style>
-        <p:txBody>
-          <a:bodyPr rtlCol="0" anchor="ctr"/>
-          <a:lstStyle/>
-          <a:p>
-            <a:pPr algn="ctr"/>
-            <a:r>
-              <a:rPr lang="en-US" sz="2000" b="1" dirty="0" smtClean="0">
-                <a:solidFill>
-                  <a:schemeClr val="tx1"/>
-                </a:solidFill>
-              </a:rPr>
-              <a:t>Fishing Mortality</a:t>
-            </a:r>
-            <a:endParaRPr lang="en-US" sz="2000" b="1" dirty="0">
-              <a:solidFill>
-                <a:schemeClr val="tx1"/>
-              </a:solidFill>
-            </a:endParaRPr>
-          </a:p>
-        </p:txBody>
-      </p:sp>
-      <p:sp>
-        <p:nvSpPr>
-          <p:cNvPr id="33" name="Rectangle 32"/>
-          <p:cNvSpPr/>
-          <p:nvPr/>
-        </p:nvSpPr>
-        <p:spPr>
-          <a:xfrm>
-            <a:off x="6208644" y="4312920"/>
-            <a:ext cx="1691640" cy="640080"/>
-          </a:xfrm>
-          <a:prstGeom prst="rect">
-            <a:avLst/>
-          </a:prstGeom>
-          <a:solidFill>
-            <a:schemeClr val="bg2">
-              <a:lumMod val="40000"/>
-              <a:lumOff val="60000"/>
-            </a:schemeClr>
-          </a:solidFill>
-          <a:ln>
-            <a:solidFill>
-              <a:schemeClr val="tx1"/>
-            </a:solidFill>
-            <a:prstDash val="dash"/>
-          </a:ln>
-        </p:spPr>
-        <p:style>
-          <a:lnRef idx="2">
-            <a:schemeClr val="accent1">
-              <a:shade val="50000"/>
-            </a:schemeClr>
-          </a:lnRef>
-          <a:fillRef idx="1">
-            <a:schemeClr val="accent1"/>
-          </a:fillRef>
-          <a:effectRef idx="0">
-            <a:schemeClr val="accent1"/>
-          </a:effectRef>
-          <a:fontRef idx="minor">
-            <a:schemeClr val="lt1"/>
-          </a:fontRef>
-        </p:style>
-        <p:txBody>
-          <a:bodyPr rtlCol="0" anchor="ctr"/>
-          <a:lstStyle/>
-          <a:p>
-            <a:pPr algn="ctr"/>
-            <a:r>
-              <a:rPr lang="en-US" sz="2000" dirty="0" smtClean="0">
-                <a:solidFill>
-                  <a:schemeClr val="tx1"/>
-                </a:solidFill>
-              </a:rPr>
-              <a:t>Emigration</a:t>
-            </a:r>
-            <a:endParaRPr lang="en-US" dirty="0">
-              <a:solidFill>
-                <a:schemeClr val="tx1"/>
-              </a:solidFill>
-            </a:endParaRPr>
-          </a:p>
-        </p:txBody>
-      </p:sp>
-      <p:sp>
-        <p:nvSpPr>
-          <p:cNvPr id="51" name="TextBox 50"/>
-          <p:cNvSpPr txBox="1"/>
-          <p:nvPr/>
-        </p:nvSpPr>
-        <p:spPr>
-          <a:xfrm>
-            <a:off x="3744915" y="2466945"/>
-            <a:ext cx="1680268" cy="400110"/>
-          </a:xfrm>
-          <a:prstGeom prst="rect">
-            <a:avLst/>
-          </a:prstGeom>
-          <a:noFill/>
-        </p:spPr>
-        <p:txBody>
-          <a:bodyPr wrap="none" rtlCol="0">
-            <a:spAutoFit/>
-          </a:bodyPr>
-          <a:lstStyle/>
-          <a:p>
-            <a:r>
-              <a:rPr lang="en-US" sz="2000" b="1" i="1" dirty="0" smtClean="0">
-                <a:solidFill>
-                  <a:schemeClr val="accent2">
-                    <a:lumMod val="75000"/>
-                  </a:schemeClr>
-                </a:solidFill>
-              </a:rPr>
-              <a:t>Competition</a:t>
-            </a:r>
-            <a:endParaRPr lang="en-US" sz="2000" b="1" i="1" dirty="0">
-              <a:solidFill>
-                <a:schemeClr val="accent2">
-                  <a:lumMod val="75000"/>
-                </a:schemeClr>
-              </a:solidFill>
-            </a:endParaRPr>
-          </a:p>
-        </p:txBody>
-      </p:sp>
-      <p:sp>
-        <p:nvSpPr>
-          <p:cNvPr id="52" name="TextBox 51"/>
-          <p:cNvSpPr txBox="1"/>
-          <p:nvPr/>
-        </p:nvSpPr>
-        <p:spPr>
-          <a:xfrm>
-            <a:off x="1781697" y="5240625"/>
-            <a:ext cx="1367682" cy="400110"/>
-          </a:xfrm>
-          <a:prstGeom prst="rect">
-            <a:avLst/>
-          </a:prstGeom>
-          <a:noFill/>
-        </p:spPr>
-        <p:txBody>
-          <a:bodyPr wrap="none" rtlCol="0">
-            <a:spAutoFit/>
-          </a:bodyPr>
-          <a:lstStyle/>
-          <a:p>
-            <a:r>
-              <a:rPr lang="en-US" sz="2000" b="1" i="1" dirty="0" smtClean="0">
-                <a:solidFill>
-                  <a:schemeClr val="accent2">
-                    <a:lumMod val="75000"/>
-                  </a:schemeClr>
-                </a:solidFill>
-              </a:rPr>
-              <a:t>Predation</a:t>
-            </a:r>
-            <a:endParaRPr lang="en-US" sz="2000" b="1" i="1" dirty="0">
-              <a:solidFill>
-                <a:schemeClr val="accent2">
-                  <a:lumMod val="75000"/>
-                </a:schemeClr>
-              </a:solidFill>
-            </a:endParaRPr>
-          </a:p>
-        </p:txBody>
-      </p:sp>
-      <p:sp>
-        <p:nvSpPr>
-          <p:cNvPr id="53" name="TextBox 52"/>
-          <p:cNvSpPr txBox="1"/>
-          <p:nvPr/>
-        </p:nvSpPr>
-        <p:spPr>
-          <a:xfrm>
-            <a:off x="6019800" y="5334000"/>
-            <a:ext cx="1282723" cy="400110"/>
-          </a:xfrm>
-          <a:prstGeom prst="rect">
-            <a:avLst/>
-          </a:prstGeom>
-          <a:noFill/>
-        </p:spPr>
-        <p:txBody>
-          <a:bodyPr wrap="none" rtlCol="0">
-            <a:spAutoFit/>
-          </a:bodyPr>
-          <a:lstStyle/>
-          <a:p>
-            <a:r>
-              <a:rPr lang="en-US" sz="2000" b="1" i="1" dirty="0" smtClean="0">
-                <a:solidFill>
-                  <a:schemeClr val="accent2">
-                    <a:lumMod val="75000"/>
-                  </a:schemeClr>
-                </a:solidFill>
-              </a:rPr>
-              <a:t>Behavior</a:t>
-            </a:r>
-            <a:endParaRPr lang="en-US" sz="2000" b="1" i="1" dirty="0">
-              <a:solidFill>
-                <a:schemeClr val="accent2">
-                  <a:lumMod val="75000"/>
-                </a:schemeClr>
-              </a:solidFill>
-            </a:endParaRPr>
-          </a:p>
-        </p:txBody>
-      </p:sp>
-      <p:sp>
-        <p:nvSpPr>
-          <p:cNvPr id="54" name="TextBox 53"/>
-          <p:cNvSpPr txBox="1"/>
-          <p:nvPr/>
-        </p:nvSpPr>
-        <p:spPr>
-          <a:xfrm>
-            <a:off x="4563717" y="1280755"/>
-            <a:ext cx="1053494" cy="400110"/>
-          </a:xfrm>
-          <a:prstGeom prst="rect">
-            <a:avLst/>
-          </a:prstGeom>
-          <a:noFill/>
-        </p:spPr>
-        <p:txBody>
-          <a:bodyPr wrap="none" rtlCol="0">
-            <a:spAutoFit/>
-          </a:bodyPr>
-          <a:lstStyle/>
-          <a:p>
-            <a:r>
-              <a:rPr lang="en-US" sz="2000" b="1" i="1" dirty="0" smtClean="0">
-                <a:solidFill>
-                  <a:srgbClr val="CC9900"/>
-                </a:solidFill>
-              </a:rPr>
-              <a:t>Habitat</a:t>
-            </a:r>
-            <a:endParaRPr lang="en-US" sz="2000" b="1" i="1" dirty="0">
-              <a:solidFill>
-                <a:srgbClr val="CC9900"/>
-              </a:solidFill>
-            </a:endParaRPr>
-          </a:p>
-        </p:txBody>
-      </p:sp>
-      <p:sp>
-        <p:nvSpPr>
-          <p:cNvPr id="55" name="TextBox 54"/>
-          <p:cNvSpPr txBox="1"/>
-          <p:nvPr/>
-        </p:nvSpPr>
-        <p:spPr>
-          <a:xfrm>
-            <a:off x="4953000" y="747355"/>
-            <a:ext cx="1553630" cy="400110"/>
-          </a:xfrm>
-          <a:prstGeom prst="rect">
-            <a:avLst/>
-          </a:prstGeom>
-          <a:noFill/>
-        </p:spPr>
-        <p:txBody>
-          <a:bodyPr wrap="none" rtlCol="0">
-            <a:spAutoFit/>
-          </a:bodyPr>
-          <a:lstStyle/>
-          <a:p>
-            <a:r>
-              <a:rPr lang="en-US" sz="2000" b="1" i="1" dirty="0" smtClean="0">
-                <a:solidFill>
-                  <a:srgbClr val="990033"/>
-                </a:solidFill>
-              </a:rPr>
-              <a:t>Economics</a:t>
-            </a:r>
-            <a:endParaRPr lang="en-US" sz="2000" b="1" i="1" dirty="0">
-              <a:solidFill>
-                <a:srgbClr val="990033"/>
-              </a:solidFill>
-            </a:endParaRPr>
-          </a:p>
-        </p:txBody>
-      </p:sp>
-      <p:sp>
-        <p:nvSpPr>
-          <p:cNvPr id="57" name="TextBox 56"/>
-          <p:cNvSpPr txBox="1"/>
-          <p:nvPr/>
-        </p:nvSpPr>
-        <p:spPr>
-          <a:xfrm>
-            <a:off x="6752170" y="742890"/>
-            <a:ext cx="1095172" cy="400110"/>
-          </a:xfrm>
-          <a:prstGeom prst="rect">
-            <a:avLst/>
-          </a:prstGeom>
-          <a:noFill/>
-        </p:spPr>
-        <p:txBody>
-          <a:bodyPr wrap="none" rtlCol="0">
-            <a:spAutoFit/>
-          </a:bodyPr>
-          <a:lstStyle/>
-          <a:p>
-            <a:r>
-              <a:rPr lang="en-US" sz="2000" b="1" i="1" dirty="0" smtClean="0">
-                <a:solidFill>
-                  <a:srgbClr val="990033"/>
-                </a:solidFill>
-              </a:rPr>
-              <a:t>Politics</a:t>
-            </a:r>
-            <a:endParaRPr lang="en-US" sz="2000" b="1" i="1" dirty="0">
-              <a:solidFill>
-                <a:srgbClr val="990033"/>
-              </a:solidFill>
-            </a:endParaRPr>
-          </a:p>
-        </p:txBody>
-      </p:sp>
-      <p:sp>
-        <p:nvSpPr>
-          <p:cNvPr id="58" name="TextBox 57"/>
-          <p:cNvSpPr txBox="1"/>
-          <p:nvPr/>
-        </p:nvSpPr>
-        <p:spPr>
-          <a:xfrm>
-            <a:off x="6447370" y="6229290"/>
-            <a:ext cx="1419171" cy="400110"/>
-          </a:xfrm>
-          <a:prstGeom prst="rect">
-            <a:avLst/>
-          </a:prstGeom>
-          <a:noFill/>
-        </p:spPr>
-        <p:txBody>
-          <a:bodyPr wrap="none" rtlCol="0">
-            <a:spAutoFit/>
-          </a:bodyPr>
-          <a:lstStyle/>
-          <a:p>
-            <a:r>
-              <a:rPr lang="en-US" sz="2000" b="1" i="1" dirty="0" smtClean="0">
-                <a:solidFill>
-                  <a:srgbClr val="990033"/>
-                </a:solidFill>
-              </a:rPr>
-              <a:t>Traditions</a:t>
-            </a:r>
-            <a:endParaRPr lang="en-US" sz="2000" b="1" i="1" dirty="0">
-              <a:solidFill>
-                <a:srgbClr val="990033"/>
-              </a:solidFill>
-            </a:endParaRPr>
-          </a:p>
-        </p:txBody>
-      </p:sp>
-      <p:sp>
-        <p:nvSpPr>
-          <p:cNvPr id="59" name="TextBox 58"/>
-          <p:cNvSpPr txBox="1"/>
-          <p:nvPr/>
-        </p:nvSpPr>
-        <p:spPr>
-          <a:xfrm>
-            <a:off x="4114800" y="6229290"/>
-            <a:ext cx="1282723" cy="400110"/>
-          </a:xfrm>
-          <a:prstGeom prst="rect">
-            <a:avLst/>
-          </a:prstGeom>
-          <a:noFill/>
-        </p:spPr>
-        <p:txBody>
-          <a:bodyPr wrap="none" rtlCol="0">
-            <a:spAutoFit/>
-          </a:bodyPr>
-          <a:lstStyle/>
-          <a:p>
-            <a:r>
-              <a:rPr lang="en-US" sz="2000" b="1" i="1" dirty="0" smtClean="0">
-                <a:solidFill>
-                  <a:srgbClr val="990033"/>
-                </a:solidFill>
-              </a:rPr>
-              <a:t>Behavior</a:t>
-            </a:r>
-            <a:endParaRPr lang="en-US" sz="2000" b="1" i="1" dirty="0">
-              <a:solidFill>
-                <a:srgbClr val="990033"/>
-              </a:solidFill>
-            </a:endParaRPr>
-          </a:p>
-        </p:txBody>
-      </p:sp>
-      <p:sp>
-        <p:nvSpPr>
-          <p:cNvPr id="60" name="TextBox 59"/>
-          <p:cNvSpPr txBox="1"/>
-          <p:nvPr/>
-        </p:nvSpPr>
-        <p:spPr>
-          <a:xfrm>
-            <a:off x="2514600" y="6229290"/>
-            <a:ext cx="1024639" cy="400110"/>
-          </a:xfrm>
-          <a:prstGeom prst="rect">
-            <a:avLst/>
-          </a:prstGeom>
-          <a:noFill/>
-        </p:spPr>
-        <p:txBody>
-          <a:bodyPr wrap="none" rtlCol="0">
-            <a:spAutoFit/>
-          </a:bodyPr>
-          <a:lstStyle/>
-          <a:p>
-            <a:r>
-              <a:rPr lang="en-US" sz="2000" b="1" i="1" dirty="0" smtClean="0">
-                <a:solidFill>
-                  <a:srgbClr val="990033"/>
-                </a:solidFill>
-              </a:rPr>
-              <a:t>Beliefs</a:t>
-            </a:r>
-            <a:endParaRPr lang="en-US" sz="2000" b="1" i="1" dirty="0">
-              <a:solidFill>
-                <a:srgbClr val="990033"/>
-              </a:solidFill>
-            </a:endParaRPr>
-          </a:p>
-        </p:txBody>
-      </p:sp>
-    </p:spTree>
-    <p:extLst>
-      <p:ext uri="{BB962C8B-B14F-4D97-AF65-F5344CB8AC3E}">
-        <p14:creationId xmlns:p14="http://schemas.microsoft.com/office/powerpoint/2010/main" val="1128526556"/>
-      </p:ext>
-    </p:extLst>
-  </p:cSld>
-  <p:clrMapOvr>
-    <a:masterClrMapping/>
-  </p:clrMapOvr>
-  <p:timing>
-    <p:tnLst>
-      <p:par>
-        <p:cTn id="1" dur="indefinite" restart="never" nodeType="tmRoot">
-          <p:childTnLst>
-            <p:seq concurrent="1" nextAc="seek">
-              <p:cTn id="2" dur="indefinite" nodeType="mainSeq">
-                <p:childTnLst>
-                  <p:par>
-                    <p:cTn id="3" fill="hold">
-                      <p:stCondLst>
-                        <p:cond delay="indefinite"/>
-                      </p:stCondLst>
-                      <p:childTnLst>
-                        <p:par>
-                          <p:cTn id="4" fill="hold">
-                            <p:stCondLst>
-                              <p:cond delay="0"/>
-                            </p:stCondLst>
-                            <p:childTnLst>
-                              <p:par>
-                                <p:cTn id="5" presetID="1" presetClass="entr" presetSubtype="0" fill="hold" grpId="0" nodeType="clickEffect">
-                                  <p:stCondLst>
-                                    <p:cond delay="0"/>
-                                  </p:stCondLst>
-                                  <p:childTnLst>
-                                    <p:set>
-                                      <p:cBhvr>
-                                        <p:cTn id="6" dur="1" fill="hold">
-                                          <p:stCondLst>
-                                            <p:cond delay="0"/>
-                                          </p:stCondLst>
-                                        </p:cTn>
-                                        <p:tgtEl>
-                                          <p:spTgt spid="10"/>
-                                        </p:tgtEl>
-                                        <p:attrNameLst>
-                                          <p:attrName>style.visibility</p:attrName>
-                                        </p:attrNameLst>
-                                      </p:cBhvr>
-                                      <p:to>
-                                        <p:strVal val="visible"/>
-                                      </p:to>
-                                    </p:set>
-                                  </p:childTnLst>
-                                </p:cTn>
-                              </p:par>
-                            </p:childTnLst>
-                          </p:cTn>
-                        </p:par>
-                        <p:par>
-                          <p:cTn id="7" fill="hold">
-                            <p:stCondLst>
-                              <p:cond delay="0"/>
-                            </p:stCondLst>
-                            <p:childTnLst>
-                              <p:par>
-                                <p:cTn id="8" presetID="1" presetClass="entr" presetSubtype="0" fill="hold" grpId="0" nodeType="afterEffect">
-                                  <p:stCondLst>
-                                    <p:cond delay="0"/>
-                                  </p:stCondLst>
-                                  <p:childTnLst>
-                                    <p:set>
-                                      <p:cBhvr>
-                                        <p:cTn id="9" dur="1" fill="hold">
-                                          <p:stCondLst>
-                                            <p:cond delay="0"/>
-                                          </p:stCondLst>
-                                        </p:cTn>
-                                        <p:tgtEl>
-                                          <p:spTgt spid="11"/>
-                                        </p:tgtEl>
-                                        <p:attrNameLst>
-                                          <p:attrName>style.visibility</p:attrName>
-                                        </p:attrNameLst>
-                                      </p:cBhvr>
-                                      <p:to>
-                                        <p:strVal val="visible"/>
-                                      </p:to>
-                                    </p:set>
-                                  </p:childTnLst>
-                                </p:cTn>
-                              </p:par>
-                            </p:childTnLst>
-                          </p:cTn>
-                        </p:par>
-                      </p:childTnLst>
-                    </p:cTn>
-                  </p:par>
-                  <p:par>
-                    <p:cTn id="10" fill="hold">
-                      <p:stCondLst>
-                        <p:cond delay="indefinite"/>
-                      </p:stCondLst>
-                      <p:childTnLst>
-                        <p:par>
-                          <p:cTn id="11" fill="hold">
-                            <p:stCondLst>
-                              <p:cond delay="0"/>
-                            </p:stCondLst>
-                            <p:childTnLst>
-                              <p:par>
-                                <p:cTn id="12" presetID="1" presetClass="entr" presetSubtype="0" fill="hold" grpId="1" nodeType="clickEffect">
-                                  <p:stCondLst>
-                                    <p:cond delay="0"/>
-                                  </p:stCondLst>
-                                  <p:childTnLst>
-                                    <p:set>
-                                      <p:cBhvr>
-                                        <p:cTn id="13" dur="1" fill="hold">
-                                          <p:stCondLst>
-                                            <p:cond delay="0"/>
-                                          </p:stCondLst>
-                                        </p:cTn>
-                                        <p:tgtEl>
-                                          <p:spTgt spid="53"/>
-                                        </p:tgtEl>
-                                        <p:attrNameLst>
-                                          <p:attrName>style.visibility</p:attrName>
-                                        </p:attrNameLst>
-                                      </p:cBhvr>
-                                      <p:to>
-                                        <p:strVal val="visible"/>
-                                      </p:to>
-                                    </p:set>
-                                  </p:childTnLst>
-                                </p:cTn>
-                              </p:par>
-                              <p:par>
-                                <p:cTn id="14" presetID="1" presetClass="entr" presetSubtype="0" fill="hold" grpId="1" nodeType="withEffect">
-                                  <p:stCondLst>
-                                    <p:cond delay="0"/>
-                                  </p:stCondLst>
-                                  <p:childTnLst>
-                                    <p:set>
-                                      <p:cBhvr>
-                                        <p:cTn id="15" dur="1" fill="hold">
-                                          <p:stCondLst>
-                                            <p:cond delay="0"/>
-                                          </p:stCondLst>
-                                        </p:cTn>
-                                        <p:tgtEl>
-                                          <p:spTgt spid="51"/>
-                                        </p:tgtEl>
-                                        <p:attrNameLst>
-                                          <p:attrName>style.visibility</p:attrName>
-                                        </p:attrNameLst>
-                                      </p:cBhvr>
-                                      <p:to>
-                                        <p:strVal val="visible"/>
-                                      </p:to>
-                                    </p:set>
-                                  </p:childTnLst>
-                                </p:cTn>
-                              </p:par>
-                              <p:par>
-                                <p:cTn id="16" presetID="1" presetClass="entr" presetSubtype="0" fill="hold" grpId="1" nodeType="withEffect">
-                                  <p:stCondLst>
-                                    <p:cond delay="0"/>
-                                  </p:stCondLst>
-                                  <p:childTnLst>
-                                    <p:set>
-                                      <p:cBhvr>
-                                        <p:cTn id="17" dur="1" fill="hold">
-                                          <p:stCondLst>
-                                            <p:cond delay="0"/>
-                                          </p:stCondLst>
-                                        </p:cTn>
-                                        <p:tgtEl>
-                                          <p:spTgt spid="52"/>
-                                        </p:tgtEl>
-                                        <p:attrNameLst>
-                                          <p:attrName>style.visibility</p:attrName>
-                                        </p:attrNameLst>
-                                      </p:cBhvr>
-                                      <p:to>
-                                        <p:strVal val="visible"/>
-                                      </p:to>
-                                    </p:set>
-                                  </p:childTnLst>
-                                </p:cTn>
-                              </p:par>
-                            </p:childTnLst>
-                          </p:cTn>
-                        </p:par>
-                        <p:par>
-                          <p:cTn id="18" fill="hold">
-                            <p:stCondLst>
-                              <p:cond delay="0"/>
-                            </p:stCondLst>
-                            <p:childTnLst>
-                              <p:par>
-                                <p:cTn id="19" presetID="14" presetClass="path" presetSubtype="0" accel="50000" decel="50000" fill="hold" grpId="0" nodeType="afterEffect">
-                                  <p:stCondLst>
-                                    <p:cond delay="0"/>
-                                  </p:stCondLst>
-                                  <p:childTnLst>
-                                    <p:animMotion origin="layout" path="M -2.22222E-6 -4.45524E-6 L -0.33472 -4.45524E-6 L -0.47014 -0.38445 L -0.13559 -0.38445 L -2.22222E-6 -4.45524E-6 Z " pathEditMode="relative" rAng="0" ptsTypes="FFFFF">
-                                      <p:cBhvr>
-                                        <p:cTn id="20" dur="4000" fill="hold"/>
-                                        <p:tgtEl>
-                                          <p:spTgt spid="53"/>
-                                        </p:tgtEl>
-                                        <p:attrNameLst>
-                                          <p:attrName>ppt_x</p:attrName>
-                                          <p:attrName>ppt_y</p:attrName>
-                                        </p:attrNameLst>
-                                      </p:cBhvr>
-                                      <p:rCtr x="-23507" y="-19223"/>
-                                    </p:animMotion>
-                                  </p:childTnLst>
-                                </p:cTn>
-                              </p:par>
-                              <p:par>
-                                <p:cTn id="21" presetID="4" presetClass="path" presetSubtype="0" accel="50000" decel="50000" fill="hold" grpId="0" nodeType="withEffect">
-                                  <p:stCondLst>
-                                    <p:cond delay="0"/>
-                                  </p:stCondLst>
-                                  <p:childTnLst>
-                                    <p:animMotion origin="layout" path="M -0.02344 0.00277 L 0.16858 9.85427E-7 L 0.31528 0.20611 L 0.16858 0.41059 L -0.12188 0.41059 L -0.26806 0.20611 L -0.02344 0.00277 Z " pathEditMode="relative" rAng="0" ptsTypes="FFFFFFF">
-                                      <p:cBhvr>
-                                        <p:cTn id="22" dur="4000" fill="hold"/>
-                                        <p:tgtEl>
-                                          <p:spTgt spid="51"/>
-                                        </p:tgtEl>
-                                        <p:attrNameLst>
-                                          <p:attrName>ppt_x</p:attrName>
-                                          <p:attrName>ppt_y</p:attrName>
-                                        </p:attrNameLst>
-                                      </p:cBhvr>
-                                      <p:rCtr x="4705" y="20241"/>
-                                    </p:animMotion>
-                                  </p:childTnLst>
-                                </p:cTn>
-                              </p:par>
-                              <p:par>
-                                <p:cTn id="23" presetID="14" presetClass="path" presetSubtype="0" accel="50000" decel="50000" fill="hold" grpId="0" nodeType="withEffect">
-                                  <p:stCondLst>
-                                    <p:cond delay="0"/>
-                                  </p:stCondLst>
-                                  <p:childTnLst>
-                                    <p:animMotion origin="layout" path="M 1.94444E-6 3.47444E-6 L 0.33594 3.47444E-6 L 0.47205 -0.43743 L 0.13594 -0.43743 L 1.94444E-6 3.47444E-6 Z " pathEditMode="relative" rAng="0" ptsTypes="FFFFF">
-                                      <p:cBhvr>
-                                        <p:cTn id="24" dur="4000" fill="hold"/>
-                                        <p:tgtEl>
-                                          <p:spTgt spid="52"/>
-                                        </p:tgtEl>
-                                        <p:attrNameLst>
-                                          <p:attrName>ppt_x</p:attrName>
-                                          <p:attrName>ppt_y</p:attrName>
-                                        </p:attrNameLst>
-                                      </p:cBhvr>
-                                      <p:rCtr x="23594" y="-21883"/>
-                                    </p:animMotion>
-                                  </p:childTnLst>
-                                </p:cTn>
-                              </p:par>
-                            </p:childTnLst>
-                          </p:cTn>
-                        </p:par>
-                      </p:childTnLst>
-                    </p:cTn>
-                  </p:par>
-                  <p:par>
-                    <p:cTn id="25" fill="hold">
-                      <p:stCondLst>
-                        <p:cond delay="indefinite"/>
-                      </p:stCondLst>
-                      <p:childTnLst>
-                        <p:par>
-                          <p:cTn id="26" fill="hold">
-                            <p:stCondLst>
-                              <p:cond delay="0"/>
-                            </p:stCondLst>
-                            <p:childTnLst>
-                              <p:par>
-                                <p:cTn id="27" presetID="6" presetClass="entr" presetSubtype="16" fill="hold" nodeType="clickEffect">
-                                  <p:stCondLst>
-                                    <p:cond delay="0"/>
-                                  </p:stCondLst>
-                                  <p:childTnLst>
-                                    <p:set>
-                                      <p:cBhvr>
-                                        <p:cTn id="28" dur="1" fill="hold">
-                                          <p:stCondLst>
-                                            <p:cond delay="0"/>
-                                          </p:stCondLst>
-                                        </p:cTn>
-                                        <p:tgtEl>
-                                          <p:spTgt spid="13"/>
-                                        </p:tgtEl>
-                                        <p:attrNameLst>
-                                          <p:attrName>style.visibility</p:attrName>
-                                        </p:attrNameLst>
-                                      </p:cBhvr>
-                                      <p:to>
-                                        <p:strVal val="visible"/>
-                                      </p:to>
-                                    </p:set>
-                                    <p:animEffect transition="in" filter="circle(in)">
-                                      <p:cBhvr>
-                                        <p:cTn id="29" dur="2000"/>
-                                        <p:tgtEl>
-                                          <p:spTgt spid="13"/>
-                                        </p:tgtEl>
-                                      </p:cBhvr>
-                                    </p:animEffect>
-                                  </p:childTnLst>
-                                </p:cTn>
-                              </p:par>
-                            </p:childTnLst>
-                          </p:cTn>
-                        </p:par>
-                      </p:childTnLst>
-                    </p:cTn>
-                  </p:par>
-                  <p:par>
-                    <p:cTn id="30" fill="hold">
-                      <p:stCondLst>
-                        <p:cond delay="indefinite"/>
-                      </p:stCondLst>
-                      <p:childTnLst>
-                        <p:par>
-                          <p:cTn id="31" fill="hold">
-                            <p:stCondLst>
-                              <p:cond delay="0"/>
-                            </p:stCondLst>
-                            <p:childTnLst>
-                              <p:par>
-                                <p:cTn id="32" presetID="1" presetClass="entr" presetSubtype="0" fill="hold" grpId="1" nodeType="clickEffect">
-                                  <p:stCondLst>
-                                    <p:cond delay="0"/>
-                                  </p:stCondLst>
-                                  <p:childTnLst>
-                                    <p:set>
-                                      <p:cBhvr>
-                                        <p:cTn id="33" dur="1" fill="hold">
-                                          <p:stCondLst>
-                                            <p:cond delay="0"/>
-                                          </p:stCondLst>
-                                        </p:cTn>
-                                        <p:tgtEl>
-                                          <p:spTgt spid="54"/>
-                                        </p:tgtEl>
-                                        <p:attrNameLst>
-                                          <p:attrName>style.visibility</p:attrName>
-                                        </p:attrNameLst>
-                                      </p:cBhvr>
-                                      <p:to>
-                                        <p:strVal val="visible"/>
-                                      </p:to>
-                                    </p:set>
-                                  </p:childTnLst>
-                                </p:cTn>
-                              </p:par>
-                            </p:childTnLst>
-                          </p:cTn>
-                        </p:par>
-                        <p:par>
-                          <p:cTn id="34" fill="hold">
-                            <p:stCondLst>
-                              <p:cond delay="0"/>
-                            </p:stCondLst>
-                            <p:childTnLst>
-                              <p:par>
-                                <p:cTn id="35" presetID="20" presetClass="path" presetSubtype="0" accel="50000" decel="50000" fill="hold" grpId="0" nodeType="afterEffect">
-                                  <p:stCondLst>
-                                    <p:cond delay="0"/>
-                                  </p:stCondLst>
-                                  <p:childTnLst>
-                                    <p:animMotion origin="layout" path="M -0.00591 0.00047 C 0.03854 0.00324 0.10191 -0.01898 0.16875 0.00162 C 0.27326 0.00162 0.36024 0.02292 0.36024 0.11111 L 0.3592 0.48727 C 0.3592 0.575 0.36996 0.66968 0.26545 0.66968 L -0.37136 0.67107 C -0.47466 0.67107 -0.48125 0.61528 -0.47136 0.54051 C -0.4757 0.48634 -0.51198 0.12477 -0.43559 0.03519 C -0.37344 -0.05741 -0.16945 -0.00926 -0.09792 -0.01504 C -0.02639 -0.02083 -0.0191 -0.00208 -0.00591 0.00047 Z " pathEditMode="relative" rAng="0" ptsTypes="ffFfFffaaf">
-                                      <p:cBhvr>
-                                        <p:cTn id="36" dur="4000" fill="hold"/>
-                                        <p:tgtEl>
-                                          <p:spTgt spid="54"/>
-                                        </p:tgtEl>
-                                        <p:attrNameLst>
-                                          <p:attrName>ppt_x</p:attrName>
-                                          <p:attrName>ppt_y</p:attrName>
-                                        </p:attrNameLst>
-                                      </p:cBhvr>
-                                      <p:rCtr x="-6510" y="30625"/>
-                                    </p:animMotion>
-                                  </p:childTnLst>
-                                </p:cTn>
-                              </p:par>
-                            </p:childTnLst>
-                          </p:cTn>
-                        </p:par>
-                      </p:childTnLst>
-                    </p:cTn>
-                  </p:par>
-                  <p:par>
-                    <p:cTn id="37" fill="hold">
-                      <p:stCondLst>
-                        <p:cond delay="indefinite"/>
-                      </p:stCondLst>
-                      <p:childTnLst>
-                        <p:par>
-                          <p:cTn id="38" fill="hold">
-                            <p:stCondLst>
-                              <p:cond delay="0"/>
-                            </p:stCondLst>
-                            <p:childTnLst>
-                              <p:par>
-                                <p:cTn id="39" presetID="6" presetClass="entr" presetSubtype="16" fill="hold" nodeType="clickEffect">
-                                  <p:stCondLst>
-                                    <p:cond delay="0"/>
-                                  </p:stCondLst>
-                                  <p:childTnLst>
-                                    <p:set>
-                                      <p:cBhvr>
-                                        <p:cTn id="40" dur="1" fill="hold">
-                                          <p:stCondLst>
-                                            <p:cond delay="0"/>
-                                          </p:stCondLst>
-                                        </p:cTn>
-                                        <p:tgtEl>
-                                          <p:spTgt spid="14"/>
-                                        </p:tgtEl>
-                                        <p:attrNameLst>
-                                          <p:attrName>style.visibility</p:attrName>
-                                        </p:attrNameLst>
-                                      </p:cBhvr>
-                                      <p:to>
-                                        <p:strVal val="visible"/>
-                                      </p:to>
-                                    </p:set>
-                                    <p:animEffect transition="in" filter="circle(in)">
-                                      <p:cBhvr>
-                                        <p:cTn id="41" dur="2000"/>
-                                        <p:tgtEl>
-                                          <p:spTgt spid="14"/>
-                                        </p:tgtEl>
-                                      </p:cBhvr>
-                                    </p:animEffect>
-                                  </p:childTnLst>
-                                </p:cTn>
-                              </p:par>
-                            </p:childTnLst>
-                          </p:cTn>
-                        </p:par>
-                      </p:childTnLst>
-                    </p:cTn>
-                  </p:par>
-                  <p:par>
-                    <p:cTn id="42" fill="hold">
-                      <p:stCondLst>
-                        <p:cond delay="indefinite"/>
-                      </p:stCondLst>
-                      <p:childTnLst>
-                        <p:par>
-                          <p:cTn id="43" fill="hold">
-                            <p:stCondLst>
-                              <p:cond delay="0"/>
-                            </p:stCondLst>
-                            <p:childTnLst>
-                              <p:par>
-                                <p:cTn id="44" presetID="1" presetClass="entr" presetSubtype="0" fill="hold" grpId="1" nodeType="clickEffect">
-                                  <p:stCondLst>
-                                    <p:cond delay="0"/>
-                                  </p:stCondLst>
-                                  <p:childTnLst>
-                                    <p:set>
-                                      <p:cBhvr>
-                                        <p:cTn id="45" dur="1" fill="hold">
-                                          <p:stCondLst>
-                                            <p:cond delay="0"/>
-                                          </p:stCondLst>
-                                        </p:cTn>
-                                        <p:tgtEl>
-                                          <p:spTgt spid="55"/>
-                                        </p:tgtEl>
-                                        <p:attrNameLst>
-                                          <p:attrName>style.visibility</p:attrName>
-                                        </p:attrNameLst>
-                                      </p:cBhvr>
-                                      <p:to>
-                                        <p:strVal val="visible"/>
-                                      </p:to>
-                                    </p:set>
-                                  </p:childTnLst>
-                                </p:cTn>
-                              </p:par>
-                              <p:par>
-                                <p:cTn id="46" presetID="1" presetClass="entr" presetSubtype="0" fill="hold" grpId="1" nodeType="withEffect">
-                                  <p:stCondLst>
-                                    <p:cond delay="0"/>
-                                  </p:stCondLst>
-                                  <p:childTnLst>
-                                    <p:set>
-                                      <p:cBhvr>
-                                        <p:cTn id="47" dur="1" fill="hold">
-                                          <p:stCondLst>
-                                            <p:cond delay="0"/>
-                                          </p:stCondLst>
-                                        </p:cTn>
-                                        <p:tgtEl>
-                                          <p:spTgt spid="57"/>
-                                        </p:tgtEl>
-                                        <p:attrNameLst>
-                                          <p:attrName>style.visibility</p:attrName>
-                                        </p:attrNameLst>
-                                      </p:cBhvr>
-                                      <p:to>
-                                        <p:strVal val="visible"/>
-                                      </p:to>
-                                    </p:set>
-                                  </p:childTnLst>
-                                </p:cTn>
-                              </p:par>
-                              <p:par>
-                                <p:cTn id="48" presetID="1" presetClass="entr" presetSubtype="0" fill="hold" grpId="1" nodeType="withEffect">
-                                  <p:stCondLst>
-                                    <p:cond delay="0"/>
-                                  </p:stCondLst>
-                                  <p:childTnLst>
-                                    <p:set>
-                                      <p:cBhvr>
-                                        <p:cTn id="49" dur="1" fill="hold">
-                                          <p:stCondLst>
-                                            <p:cond delay="0"/>
-                                          </p:stCondLst>
-                                        </p:cTn>
-                                        <p:tgtEl>
-                                          <p:spTgt spid="60"/>
-                                        </p:tgtEl>
-                                        <p:attrNameLst>
-                                          <p:attrName>style.visibility</p:attrName>
-                                        </p:attrNameLst>
-                                      </p:cBhvr>
-                                      <p:to>
-                                        <p:strVal val="visible"/>
-                                      </p:to>
-                                    </p:set>
-                                  </p:childTnLst>
-                                </p:cTn>
-                              </p:par>
-                              <p:par>
-                                <p:cTn id="50" presetID="1" presetClass="entr" presetSubtype="0" fill="hold" grpId="1" nodeType="withEffect">
-                                  <p:stCondLst>
-                                    <p:cond delay="0"/>
-                                  </p:stCondLst>
-                                  <p:childTnLst>
-                                    <p:set>
-                                      <p:cBhvr>
-                                        <p:cTn id="51" dur="1" fill="hold">
-                                          <p:stCondLst>
-                                            <p:cond delay="0"/>
-                                          </p:stCondLst>
-                                        </p:cTn>
-                                        <p:tgtEl>
-                                          <p:spTgt spid="59"/>
-                                        </p:tgtEl>
-                                        <p:attrNameLst>
-                                          <p:attrName>style.visibility</p:attrName>
-                                        </p:attrNameLst>
-                                      </p:cBhvr>
-                                      <p:to>
-                                        <p:strVal val="visible"/>
-                                      </p:to>
-                                    </p:set>
-                                  </p:childTnLst>
-                                </p:cTn>
-                              </p:par>
-                              <p:par>
-                                <p:cTn id="52" presetID="1" presetClass="entr" presetSubtype="0" fill="hold" grpId="1" nodeType="withEffect">
-                                  <p:stCondLst>
-                                    <p:cond delay="0"/>
-                                  </p:stCondLst>
-                                  <p:childTnLst>
-                                    <p:set>
-                                      <p:cBhvr>
-                                        <p:cTn id="53" dur="1" fill="hold">
-                                          <p:stCondLst>
-                                            <p:cond delay="0"/>
-                                          </p:stCondLst>
-                                        </p:cTn>
-                                        <p:tgtEl>
-                                          <p:spTgt spid="58"/>
-                                        </p:tgtEl>
-                                        <p:attrNameLst>
-                                          <p:attrName>style.visibility</p:attrName>
-                                        </p:attrNameLst>
-                                      </p:cBhvr>
-                                      <p:to>
-                                        <p:strVal val="visible"/>
-                                      </p:to>
-                                    </p:set>
-                                  </p:childTnLst>
-                                </p:cTn>
-                              </p:par>
-                            </p:childTnLst>
-                          </p:cTn>
-                        </p:par>
-                        <p:par>
-                          <p:cTn id="54" fill="hold">
-                            <p:stCondLst>
-                              <p:cond delay="0"/>
-                            </p:stCondLst>
-                            <p:childTnLst>
-                              <p:par>
-                                <p:cTn id="55" presetID="20" presetClass="path" presetSubtype="0" accel="50000" decel="50000" fill="hold" grpId="0" nodeType="afterEffect">
-                                  <p:stCondLst>
-                                    <p:cond delay="0"/>
-                                  </p:stCondLst>
-                                  <p:childTnLst>
-                                    <p:animMotion origin="layout" path="M -0.55364 0.1213 C -0.52587 0.0257 -0.49705 -0.00486 -0.37882 -0.00486 L 0.11684 -0.00486 C 0.2349 -0.00486 0.33177 0.07871 0.33177 0.18149 L 0.33177 0.60487 C 0.33177 0.70764 0.2349 0.79514 0.11684 0.79514 L -0.37882 0.79514 C -0.49705 0.79514 -0.57934 0.21598 -0.55364 0.1213 Z " pathEditMode="relative" rAng="0" ptsTypes="fFfFfFff">
-                                      <p:cBhvr>
-                                        <p:cTn id="56" dur="4000" fill="hold"/>
-                                        <p:tgtEl>
-                                          <p:spTgt spid="55"/>
-                                        </p:tgtEl>
-                                        <p:attrNameLst>
-                                          <p:attrName>ppt_x</p:attrName>
-                                          <p:attrName>ppt_y</p:attrName>
-                                        </p:attrNameLst>
-                                      </p:cBhvr>
-                                      <p:rCtr x="42986" y="27384"/>
-                                    </p:animMotion>
-                                  </p:childTnLst>
-                                </p:cTn>
-                              </p:par>
-                              <p:par>
-                                <p:cTn id="57" presetID="20" presetClass="path" presetSubtype="0" accel="50000" decel="50000" fill="hold" grpId="0" nodeType="withEffect">
-                                  <p:stCondLst>
-                                    <p:cond delay="0"/>
-                                  </p:stCondLst>
-                                  <p:childTnLst>
-                                    <p:animMotion origin="layout" path="M -0.54982 0.81806 C -0.66823 0.81806 -0.76562 0.73426 -0.76562 0.63032 L -0.76562 0.19583 C -0.76562 0.09213 -0.66823 0.00694 -0.54982 0.00694 L -0.05902 0.00694 C 0.05938 0.00694 0.15973 0.09213 0.15973 0.19583 L 0.15973 0.63032 C 0.15973 0.73426 0.05938 0.81806 -0.05902 0.81806 Z " pathEditMode="relative" rAng="16200000" ptsTypes="fFfFfFff">
-                                      <p:cBhvr>
-                                        <p:cTn id="58" dur="4000" fill="hold"/>
-                                        <p:tgtEl>
-                                          <p:spTgt spid="57"/>
-                                        </p:tgtEl>
-                                        <p:attrNameLst>
-                                          <p:attrName>ppt_x</p:attrName>
-                                          <p:attrName>ppt_y</p:attrName>
-                                        </p:attrNameLst>
-                                      </p:cBhvr>
-                                      <p:rCtr x="24688" y="-40556"/>
-                                    </p:animMotion>
-                                  </p:childTnLst>
-                                </p:cTn>
-                              </p:par>
-                              <p:par>
-                                <p:cTn id="59" presetID="20" presetClass="path" presetSubtype="0" accel="50000" decel="50000" fill="hold" grpId="0" nodeType="withEffect">
-                                  <p:stCondLst>
-                                    <p:cond delay="0"/>
-                                  </p:stCondLst>
-                                  <p:childTnLst>
-                                    <p:animMotion origin="layout" path="M 0.41736 -0.81528 C 0.53716 -0.81528 0.63542 -0.73125 0.63542 -0.62755 L 0.63542 -0.19259 C 0.63542 -0.08889 0.53716 -0.00417 0.41736 -0.00417 L -0.0776 -0.00417 C -0.19722 -0.00417 -0.29757 -0.08889 -0.29757 -0.19259 L -0.27083 -0.63171 C -0.27083 -0.73542 -0.19722 -0.81528 -0.0776 -0.81528 Z " pathEditMode="relative" rAng="0" ptsTypes="fFfFfFff">
-                                      <p:cBhvr>
-                                        <p:cTn id="60" dur="4000" spd="-100000" fill="hold"/>
-                                        <p:tgtEl>
-                                          <p:spTgt spid="60"/>
-                                        </p:tgtEl>
-                                        <p:attrNameLst>
-                                          <p:attrName>ppt_x</p:attrName>
-                                          <p:attrName>ppt_y</p:attrName>
-                                        </p:attrNameLst>
-                                      </p:cBhvr>
-                                      <p:rCtr x="-24844" y="40556"/>
-                                    </p:animMotion>
-                                  </p:childTnLst>
-                                </p:cTn>
-                              </p:par>
-                              <p:par>
-                                <p:cTn id="61" presetID="20" presetClass="path" presetSubtype="0" accel="50000" decel="50000" fill="hold" grpId="0" nodeType="withEffect">
-                                  <p:stCondLst>
-                                    <p:cond delay="0"/>
-                                  </p:stCondLst>
-                                  <p:childTnLst>
-                                    <p:animMotion origin="layout" path="M 0.06233 -0.79884 C 0.08993 -0.80787 0.36059 -0.86736 0.40833 -0.78866 L 0.45139 -0.65255 C 0.46302 -0.55579 0.44479 -0.06389 0.42621 -0.04352 L -0.03802 0.00417 C -0.0566 0.02407 -0.41424 0.04144 -0.46233 -0.03796 L -0.47743 -0.73356 C -0.45278 -0.82245 0.03194 -0.79236 0.06233 -0.79884 Z " pathEditMode="relative" rAng="0" ptsTypes="fFfFfFff">
-                                      <p:cBhvr>
-                                        <p:cTn id="62" dur="4000" fill="hold"/>
-                                        <p:tgtEl>
-                                          <p:spTgt spid="59"/>
-                                        </p:tgtEl>
-                                        <p:attrNameLst>
-                                          <p:attrName>ppt_x</p:attrName>
-                                          <p:attrName>ppt_y</p:attrName>
-                                        </p:attrNameLst>
-                                      </p:cBhvr>
-                                      <p:rCtr x="-6962" y="38588"/>
-                                    </p:animMotion>
-                                  </p:childTnLst>
-                                </p:cTn>
-                              </p:par>
-                              <p:par>
-                                <p:cTn id="63" presetID="20" presetClass="path" presetSubtype="0" accel="50000" decel="50000" fill="hold" grpId="0" nodeType="withEffect">
-                                  <p:stCondLst>
-                                    <p:cond delay="0"/>
-                                  </p:stCondLst>
-                                  <p:childTnLst>
-                                    <p:animMotion origin="layout" path="M -0.68698 -0.01388 C -0.79618 -0.08929 -0.75417 -0.47213 -0.74045 -0.59172 C -0.73976 -0.72195 -0.72222 -0.75989 -0.68264 -0.79528 L -0.50261 -0.80361 C -0.44792 -0.78811 0.02083 -0.8929 0.09635 -0.79806 L 0.16667 -0.69975 C 0.2066 -0.59172 0.19566 -0.07055 0.17413 -0.03933 L -0.01788 0.01087 C -0.03941 0.04141 -0.57761 0.01827 -0.68698 -0.01388 Z " pathEditMode="relative" rAng="0" ptsTypes="faFfFfFff">
-                                      <p:cBhvr>
-                                        <p:cTn id="64" dur="4000" spd="-100000" fill="hold"/>
-                                        <p:tgtEl>
-                                          <p:spTgt spid="58"/>
-                                        </p:tgtEl>
-                                        <p:attrNameLst>
-                                          <p:attrName>ppt_x</p:attrName>
-                                          <p:attrName>ppt_y</p:attrName>
-                                        </p:attrNameLst>
-                                      </p:cBhvr>
-                                      <p:rCtr x="39219" y="-41198"/>
-                                    </p:animMotion>
-                                  </p:childTnLst>
-                                </p:cTn>
-                              </p:par>
-                            </p:childTnLst>
-                          </p:cTn>
-                        </p:par>
-                      </p:childTnLst>
-                    </p:cTn>
-                  </p:par>
-                </p:childTnLst>
-              </p:cTn>
-              <p:prevCondLst>
-                <p:cond evt="onPrev" delay="0">
-                  <p:tgtEl>
-                    <p:sldTgt/>
-                  </p:tgtEl>
-                </p:cond>
-              </p:prevCondLst>
-              <p:nextCondLst>
-                <p:cond evt="onNext" delay="0">
-                  <p:tgtEl>
-                    <p:sldTgt/>
-                  </p:tgtEl>
-                </p:cond>
-              </p:nextCondLst>
-            </p:seq>
-          </p:childTnLst>
-        </p:cTn>
-      </p:par>
-    </p:tnLst>
-    <p:bldLst>
-      <p:bldP spid="10" grpId="0" animBg="1"/>
-      <p:bldP spid="11" grpId="0"/>
-      <p:bldP spid="51" grpId="0"/>
-      <p:bldP spid="51" grpId="1"/>
-      <p:bldP spid="52" grpId="0"/>
-      <p:bldP spid="52" grpId="1"/>
-      <p:bldP spid="53" grpId="0"/>
-      <p:bldP spid="53" grpId="1"/>
-      <p:bldP spid="54" grpId="0"/>
-      <p:bldP spid="54" grpId="1"/>
-      <p:bldP spid="55" grpId="0"/>
-      <p:bldP spid="55" grpId="1"/>
-      <p:bldP spid="57" grpId="0"/>
-      <p:bldP spid="57" grpId="1"/>
-      <p:bldP spid="58" grpId="0"/>
-      <p:bldP spid="58" grpId="1"/>
-      <p:bldP spid="59" grpId="0"/>
-      <p:bldP spid="59" grpId="1"/>
-      <p:bldP spid="60" grpId="0"/>
-      <p:bldP spid="60" grpId="1"/>
-    </p:bldLst>
-  </p:timing>
-</p:sld>
-</file>
-
-<file path=ppt/slides/slide3.xml><?xml version="1.0" encoding="utf-8"?>
-<p:sld xmlns:a="http://schemas.openxmlformats.org/drawingml/2006/main" xmlns:r="http://schemas.openxmlformats.org/officeDocument/2006/relationships" xmlns:p="http://schemas.openxmlformats.org/presentationml/2006/main">
-  <p:cSld>
-    <p:spTree>
-      <p:nvGrpSpPr>
-        <p:cNvPr id="1" name=""/>
-        <p:cNvGrpSpPr/>
-        <p:nvPr/>
-      </p:nvGrpSpPr>
-      <p:grpSpPr>
-        <a:xfrm>
-          <a:off x="0" y="0"/>
-          <a:ext cx="0" cy="0"/>
-          <a:chOff x="0" y="0"/>
-          <a:chExt cx="0" cy="0"/>
-        </a:xfrm>
-      </p:grpSpPr>
-      <p:sp>
-        <p:nvSpPr>
           <p:cNvPr id="6146" name="Footer Placeholder 3"/>
           <p:cNvSpPr>
             <a:spLocks noGrp="1"/>
@@ -7855,8 +5603,9 @@
             <a:pPr eaLnBrk="1" hangingPunct="1"/>
             <a:r>
               <a:rPr lang="en-US" smtClean="0"/>
-              <a:t>Introduction</a:t>
-            </a:r>
+              <a:t>Management Process</a:t>
+            </a:r>
+            <a:endParaRPr lang="en-US" smtClean="0"/>
           </a:p>
         </p:txBody>
       </p:sp>
@@ -7998,7 +5747,7 @@
             <a:fld id="{43E38C27-8966-4D9A-AC98-F2BFF18F65D2}" type="slidenum">
               <a:rPr lang="en-US" smtClean="0"/>
               <a:pPr eaLnBrk="1" hangingPunct="1"/>
-              <a:t>3</a:t>
+              <a:t>2</a:t>
             </a:fld>
             <a:endParaRPr lang="en-US" smtClean="0"/>
           </a:p>
@@ -8838,7 +6587,7 @@
 </p:sld>
 </file>
 
-<file path=ppt/slides/slide4.xml><?xml version="1.0" encoding="utf-8"?>
+<file path=ppt/slides/slide3.xml><?xml version="1.0" encoding="utf-8"?>
 <p:sld xmlns:a="http://schemas.openxmlformats.org/drawingml/2006/main" xmlns:r="http://schemas.openxmlformats.org/officeDocument/2006/relationships" xmlns:p="http://schemas.openxmlformats.org/presentationml/2006/main">
   <p:cSld>
     <p:spTree>
@@ -8982,7 +6731,7 @@
             </a:pPr>
             <a:r>
               <a:rPr lang="en-US" smtClean="0"/>
-              <a:t>Introduction</a:t>
+              <a:t>Management Process</a:t>
             </a:r>
             <a:endParaRPr lang="en-US"/>
           </a:p>
@@ -9011,7 +6760,7 @@
               <a:pPr>
                 <a:defRPr/>
               </a:pPr>
-              <a:t>4</a:t>
+              <a:t>3</a:t>
             </a:fld>
             <a:endParaRPr lang="en-US"/>
           </a:p>
@@ -9907,8 +7656,417 @@
 </p:sld>
 </file>
 
+<file path=ppt/slides/slide4.xml><?xml version="1.0" encoding="utf-8"?>
+<p:sld xmlns:a="http://schemas.openxmlformats.org/drawingml/2006/main" xmlns:r="http://schemas.openxmlformats.org/officeDocument/2006/relationships" xmlns:p="http://schemas.openxmlformats.org/presentationml/2006/main">
+  <p:cSld>
+    <p:spTree>
+      <p:nvGrpSpPr>
+        <p:cNvPr id="1" name=""/>
+        <p:cNvGrpSpPr/>
+        <p:nvPr/>
+      </p:nvGrpSpPr>
+      <p:grpSpPr>
+        <a:xfrm>
+          <a:off x="0" y="0"/>
+          <a:ext cx="0" cy="0"/>
+          <a:chOff x="0" y="0"/>
+          <a:chExt cx="0" cy="0"/>
+        </a:xfrm>
+      </p:grpSpPr>
+      <p:sp>
+        <p:nvSpPr>
+          <p:cNvPr id="2" name="Title 1"/>
+          <p:cNvSpPr>
+            <a:spLocks noGrp="1"/>
+          </p:cNvSpPr>
+          <p:nvPr>
+            <p:ph type="title"/>
+          </p:nvPr>
+        </p:nvSpPr>
+        <p:spPr/>
+        <p:txBody>
+          <a:bodyPr/>
+          <a:lstStyle/>
+          <a:p>
+            <a:r>
+              <a:rPr lang="en-US" dirty="0" smtClean="0"/>
+              <a:t>Video Summaries</a:t>
+            </a:r>
+            <a:endParaRPr lang="en-US" dirty="0"/>
+          </a:p>
+        </p:txBody>
+      </p:sp>
+      <p:sp>
+        <p:nvSpPr>
+          <p:cNvPr id="3" name="Content Placeholder 2"/>
+          <p:cNvSpPr>
+            <a:spLocks noGrp="1"/>
+          </p:cNvSpPr>
+          <p:nvPr>
+            <p:ph idx="1"/>
+          </p:nvPr>
+        </p:nvSpPr>
+        <p:spPr/>
+        <p:txBody>
+          <a:bodyPr/>
+          <a:lstStyle/>
+          <a:p>
+            <a:r>
+              <a:rPr lang="en-US" dirty="0" err="1" smtClean="0"/>
+              <a:t>Gurnoe</a:t>
+            </a:r>
+            <a:r>
+              <a:rPr lang="en-US" dirty="0" smtClean="0"/>
+              <a:t> Decision</a:t>
+            </a:r>
+          </a:p>
+          <a:p>
+            <a:r>
+              <a:rPr lang="en-US" dirty="0" err="1" smtClean="0"/>
+              <a:t>Tribble</a:t>
+            </a:r>
+            <a:r>
+              <a:rPr lang="en-US" dirty="0" smtClean="0"/>
+              <a:t> Brothers</a:t>
+            </a:r>
+          </a:p>
+          <a:p>
+            <a:r>
+              <a:rPr lang="en-US" dirty="0" smtClean="0"/>
+              <a:t>Place of the Pike</a:t>
+            </a:r>
+          </a:p>
+          <a:p>
+            <a:r>
+              <a:rPr lang="en-US" dirty="0" err="1" smtClean="0"/>
+              <a:t>Jondreau</a:t>
+            </a:r>
+            <a:r>
+              <a:rPr lang="en-US" dirty="0" smtClean="0"/>
+              <a:t> Decision</a:t>
+            </a:r>
+          </a:p>
+          <a:p>
+            <a:endParaRPr lang="en-US" dirty="0" smtClean="0"/>
+          </a:p>
+          <a:p>
+            <a:r>
+              <a:rPr lang="en-US" dirty="0" err="1" smtClean="0"/>
+              <a:t>Focuse</a:t>
+            </a:r>
+            <a:r>
+              <a:rPr lang="en-US" dirty="0" smtClean="0"/>
+              <a:t> of these videos?? Ecological, Economic, Political, Sociocultural??</a:t>
+            </a:r>
+            <a:endParaRPr lang="en-US" dirty="0"/>
+          </a:p>
+          <a:p>
+            <a:pPr marL="0" indent="0">
+              <a:buNone/>
+            </a:pPr>
+            <a:endParaRPr lang="en-US" dirty="0"/>
+          </a:p>
+        </p:txBody>
+      </p:sp>
+      <p:sp>
+        <p:nvSpPr>
+          <p:cNvPr id="4" name="Footer Placeholder 3"/>
+          <p:cNvSpPr>
+            <a:spLocks noGrp="1"/>
+          </p:cNvSpPr>
+          <p:nvPr>
+            <p:ph type="ftr" sz="quarter" idx="10"/>
+          </p:nvPr>
+        </p:nvSpPr>
+        <p:spPr/>
+        <p:txBody>
+          <a:bodyPr/>
+          <a:lstStyle/>
+          <a:p>
+            <a:pPr>
+              <a:defRPr/>
+            </a:pPr>
+            <a:r>
+              <a:rPr lang="en-US" smtClean="0"/>
+              <a:t>Management Process</a:t>
+            </a:r>
+            <a:endParaRPr lang="en-US"/>
+          </a:p>
+        </p:txBody>
+      </p:sp>
+      <p:sp>
+        <p:nvSpPr>
+          <p:cNvPr id="5" name="Slide Number Placeholder 4"/>
+          <p:cNvSpPr>
+            <a:spLocks noGrp="1"/>
+          </p:cNvSpPr>
+          <p:nvPr>
+            <p:ph type="sldNum" sz="quarter" idx="11"/>
+          </p:nvPr>
+        </p:nvSpPr>
+        <p:spPr/>
+        <p:txBody>
+          <a:bodyPr/>
+          <a:lstStyle/>
+          <a:p>
+            <a:pPr>
+              <a:defRPr/>
+            </a:pPr>
+            <a:fld id="{C6A2F5B4-2197-4B8F-A126-FB2FF53A65C9}" type="slidenum">
+              <a:rPr lang="en-US" smtClean="0"/>
+              <a:pPr>
+                <a:defRPr/>
+              </a:pPr>
+              <a:t>4</a:t>
+            </a:fld>
+            <a:endParaRPr lang="en-US"/>
+          </a:p>
+        </p:txBody>
+      </p:sp>
+    </p:spTree>
+    <p:extLst>
+      <p:ext uri="{BB962C8B-B14F-4D97-AF65-F5344CB8AC3E}">
+        <p14:creationId xmlns:p14="http://schemas.microsoft.com/office/powerpoint/2010/main" val="503948885"/>
+      </p:ext>
+    </p:extLst>
+  </p:cSld>
+  <p:clrMapOvr>
+    <a:masterClrMapping/>
+  </p:clrMapOvr>
+  <p:timing>
+    <p:tnLst>
+      <p:par>
+        <p:cTn id="1" dur="indefinite" restart="never" nodeType="tmRoot">
+          <p:childTnLst>
+            <p:seq concurrent="1" nextAc="seek">
+              <p:cTn id="2" dur="indefinite" nodeType="mainSeq">
+                <p:childTnLst>
+                  <p:par>
+                    <p:cTn id="3" fill="hold">
+                      <p:stCondLst>
+                        <p:cond delay="indefinite"/>
+                      </p:stCondLst>
+                      <p:childTnLst>
+                        <p:par>
+                          <p:cTn id="4" fill="hold">
+                            <p:stCondLst>
+                              <p:cond delay="0"/>
+                            </p:stCondLst>
+                            <p:childTnLst>
+                              <p:par>
+                                <p:cTn id="5" presetID="1" presetClass="entr" presetSubtype="0" fill="hold" grpId="0" nodeType="clickEffect">
+                                  <p:stCondLst>
+                                    <p:cond delay="0"/>
+                                  </p:stCondLst>
+                                  <p:childTnLst>
+                                    <p:set>
+                                      <p:cBhvr>
+                                        <p:cTn id="6" dur="1" fill="hold">
+                                          <p:stCondLst>
+                                            <p:cond delay="0"/>
+                                          </p:stCondLst>
+                                        </p:cTn>
+                                        <p:tgtEl>
+                                          <p:spTgt spid="3">
+                                            <p:txEl>
+                                              <p:pRg st="1" end="1"/>
+                                            </p:txEl>
+                                          </p:spTgt>
+                                        </p:tgtEl>
+                                        <p:attrNameLst>
+                                          <p:attrName>style.visibility</p:attrName>
+                                        </p:attrNameLst>
+                                      </p:cBhvr>
+                                      <p:to>
+                                        <p:strVal val="visible"/>
+                                      </p:to>
+                                    </p:set>
+                                  </p:childTnLst>
+                                </p:cTn>
+                              </p:par>
+                            </p:childTnLst>
+                          </p:cTn>
+                        </p:par>
+                      </p:childTnLst>
+                    </p:cTn>
+                  </p:par>
+                  <p:par>
+                    <p:cTn id="7" fill="hold">
+                      <p:stCondLst>
+                        <p:cond delay="indefinite"/>
+                      </p:stCondLst>
+                      <p:childTnLst>
+                        <p:par>
+                          <p:cTn id="8" fill="hold">
+                            <p:stCondLst>
+                              <p:cond delay="0"/>
+                            </p:stCondLst>
+                            <p:childTnLst>
+                              <p:par>
+                                <p:cTn id="9" presetID="1" presetClass="entr" presetSubtype="0" fill="hold" grpId="0" nodeType="clickEffect">
+                                  <p:stCondLst>
+                                    <p:cond delay="0"/>
+                                  </p:stCondLst>
+                                  <p:childTnLst>
+                                    <p:set>
+                                      <p:cBhvr>
+                                        <p:cTn id="10" dur="1" fill="hold">
+                                          <p:stCondLst>
+                                            <p:cond delay="0"/>
+                                          </p:stCondLst>
+                                        </p:cTn>
+                                        <p:tgtEl>
+                                          <p:spTgt spid="3">
+                                            <p:txEl>
+                                              <p:pRg st="2" end="2"/>
+                                            </p:txEl>
+                                          </p:spTgt>
+                                        </p:tgtEl>
+                                        <p:attrNameLst>
+                                          <p:attrName>style.visibility</p:attrName>
+                                        </p:attrNameLst>
+                                      </p:cBhvr>
+                                      <p:to>
+                                        <p:strVal val="visible"/>
+                                      </p:to>
+                                    </p:set>
+                                  </p:childTnLst>
+                                </p:cTn>
+                              </p:par>
+                            </p:childTnLst>
+                          </p:cTn>
+                        </p:par>
+                      </p:childTnLst>
+                    </p:cTn>
+                  </p:par>
+                  <p:par>
+                    <p:cTn id="11" fill="hold">
+                      <p:stCondLst>
+                        <p:cond delay="indefinite"/>
+                      </p:stCondLst>
+                      <p:childTnLst>
+                        <p:par>
+                          <p:cTn id="12" fill="hold">
+                            <p:stCondLst>
+                              <p:cond delay="0"/>
+                            </p:stCondLst>
+                            <p:childTnLst>
+                              <p:par>
+                                <p:cTn id="13" presetID="1" presetClass="entr" presetSubtype="0" fill="hold" grpId="0" nodeType="clickEffect">
+                                  <p:stCondLst>
+                                    <p:cond delay="0"/>
+                                  </p:stCondLst>
+                                  <p:childTnLst>
+                                    <p:set>
+                                      <p:cBhvr>
+                                        <p:cTn id="14" dur="1" fill="hold">
+                                          <p:stCondLst>
+                                            <p:cond delay="0"/>
+                                          </p:stCondLst>
+                                        </p:cTn>
+                                        <p:tgtEl>
+                                          <p:spTgt spid="3">
+                                            <p:txEl>
+                                              <p:pRg st="3" end="3"/>
+                                            </p:txEl>
+                                          </p:spTgt>
+                                        </p:tgtEl>
+                                        <p:attrNameLst>
+                                          <p:attrName>style.visibility</p:attrName>
+                                        </p:attrNameLst>
+                                      </p:cBhvr>
+                                      <p:to>
+                                        <p:strVal val="visible"/>
+                                      </p:to>
+                                    </p:set>
+                                  </p:childTnLst>
+                                </p:cTn>
+                              </p:par>
+                            </p:childTnLst>
+                          </p:cTn>
+                        </p:par>
+                      </p:childTnLst>
+                    </p:cTn>
+                  </p:par>
+                  <p:par>
+                    <p:cTn id="15" fill="hold">
+                      <p:stCondLst>
+                        <p:cond delay="indefinite"/>
+                      </p:stCondLst>
+                      <p:childTnLst>
+                        <p:par>
+                          <p:cTn id="16" fill="hold">
+                            <p:stCondLst>
+                              <p:cond delay="0"/>
+                            </p:stCondLst>
+                            <p:childTnLst>
+                              <p:par>
+                                <p:cTn id="17" presetID="1" presetClass="entr" presetSubtype="0" fill="hold" grpId="0" nodeType="clickEffect">
+                                  <p:stCondLst>
+                                    <p:cond delay="0"/>
+                                  </p:stCondLst>
+                                  <p:childTnLst>
+                                    <p:set>
+                                      <p:cBhvr>
+                                        <p:cTn id="18" dur="1" fill="hold">
+                                          <p:stCondLst>
+                                            <p:cond delay="0"/>
+                                          </p:stCondLst>
+                                        </p:cTn>
+                                        <p:tgtEl>
+                                          <p:spTgt spid="3">
+                                            <p:txEl>
+                                              <p:pRg st="5" end="5"/>
+                                            </p:txEl>
+                                          </p:spTgt>
+                                        </p:tgtEl>
+                                        <p:attrNameLst>
+                                          <p:attrName>style.visibility</p:attrName>
+                                        </p:attrNameLst>
+                                      </p:cBhvr>
+                                      <p:to>
+                                        <p:strVal val="visible"/>
+                                      </p:to>
+                                    </p:set>
+                                  </p:childTnLst>
+                                </p:cTn>
+                              </p:par>
+                            </p:childTnLst>
+                          </p:cTn>
+                        </p:par>
+                      </p:childTnLst>
+                    </p:cTn>
+                  </p:par>
+                </p:childTnLst>
+              </p:cTn>
+              <p:prevCondLst>
+                <p:cond evt="onPrev" delay="0">
+                  <p:tgtEl>
+                    <p:sldTgt/>
+                  </p:tgtEl>
+                </p:cond>
+              </p:prevCondLst>
+              <p:nextCondLst>
+                <p:cond evt="onNext" delay="0">
+                  <p:tgtEl>
+                    <p:sldTgt/>
+                  </p:tgtEl>
+                </p:cond>
+              </p:nextCondLst>
+            </p:seq>
+          </p:childTnLst>
+        </p:cTn>
+      </p:par>
+    </p:tnLst>
+    <p:bldLst>
+      <p:bldP spid="3" grpId="0" uiExpand="1" build="p"/>
+    </p:bldLst>
+  </p:timing>
+</p:sld>
+</file>
+
 <file path=ppt/slides/slide5.xml><?xml version="1.0" encoding="utf-8"?>
-<p:sld xmlns:a="http://schemas.openxmlformats.org/drawingml/2006/main" xmlns:r="http://schemas.openxmlformats.org/officeDocument/2006/relationships" xmlns:p="http://schemas.openxmlformats.org/presentationml/2006/main">
+<p:sld xmlns:a="http://schemas.openxmlformats.org/drawingml/2006/main" xmlns:r="http://schemas.openxmlformats.org/officeDocument/2006/relationships" xmlns:p="http://schemas.openxmlformats.org/presentationml/2006/main" show="0">
   <p:cSld>
     <p:spTree>
       <p:nvGrpSpPr>
@@ -10061,8 +8219,9 @@
             <a:pPr eaLnBrk="1" hangingPunct="1"/>
             <a:r>
               <a:rPr lang="en-US" smtClean="0"/>
-              <a:t>Introduction</a:t>
-            </a:r>
+              <a:t>Management Process</a:t>
+            </a:r>
+            <a:endParaRPr lang="en-US" smtClean="0"/>
           </a:p>
         </p:txBody>
       </p:sp>
@@ -10309,6 +8468,14 @@
   <p:clrMapOvr>
     <a:masterClrMapping/>
   </p:clrMapOvr>
+  <mc:AlternateContent xmlns:mc="http://schemas.openxmlformats.org/markup-compatibility/2006">
+    <mc:Choice xmlns:p14="http://schemas.microsoft.com/office/powerpoint/2010/main" Requires="p14">
+      <p:transition spd="slow" p14:dur="2000"/>
+    </mc:Choice>
+    <mc:Fallback>
+      <p:transition spd="slow"/>
+    </mc:Fallback>
+  </mc:AlternateContent>
   <p:timing>
     <p:tnLst>
       <p:par>
@@ -10473,8 +8640,9 @@
             <a:pPr eaLnBrk="1" hangingPunct="1"/>
             <a:r>
               <a:rPr lang="en-US" smtClean="0"/>
-              <a:t>Introduction</a:t>
-            </a:r>
+              <a:t>Management Process</a:t>
+            </a:r>
+            <a:endParaRPr lang="en-US" smtClean="0"/>
           </a:p>
         </p:txBody>
       </p:sp>
@@ -11898,8 +10066,9 @@
             <a:pPr eaLnBrk="1" hangingPunct="1"/>
             <a:r>
               <a:rPr lang="en-US" smtClean="0"/>
-              <a:t>Introduction</a:t>
-            </a:r>
+              <a:t>Management Process</a:t>
+            </a:r>
+            <a:endParaRPr lang="en-US" smtClean="0"/>
           </a:p>
         </p:txBody>
       </p:sp>
@@ -14992,8 +13161,9 @@
             <a:pPr eaLnBrk="1" hangingPunct="1"/>
             <a:r>
               <a:rPr lang="en-US" smtClean="0"/>
-              <a:t>Introduction</a:t>
-            </a:r>
+              <a:t>Management Process</a:t>
+            </a:r>
+            <a:endParaRPr lang="en-US" smtClean="0"/>
           </a:p>
         </p:txBody>
       </p:sp>
@@ -16169,8 +14339,9 @@
             <a:pPr eaLnBrk="1" hangingPunct="1"/>
             <a:r>
               <a:rPr lang="en-US" smtClean="0"/>
-              <a:t>Introduction</a:t>
-            </a:r>
+              <a:t>Management Process</a:t>
+            </a:r>
+            <a:endParaRPr lang="en-US" smtClean="0"/>
           </a:p>
         </p:txBody>
       </p:sp>

--- a/modules/PPT/ManagementProcess.pptx
+++ b/modules/PPT/ManagementProcess.pptx
@@ -3907,7 +3907,6 @@
               <a:rPr lang="en-US" dirty="0" smtClean="0"/>
               <a:t>Management Process</a:t>
             </a:r>
-            <a:endParaRPr lang="en-US" dirty="0" smtClean="0"/>
           </a:p>
         </p:txBody>
       </p:sp>
@@ -4082,7 +4081,6 @@
               <a:rPr lang="en-US" smtClean="0"/>
               <a:t>Management Process</a:t>
             </a:r>
-            <a:endParaRPr lang="en-US" smtClean="0"/>
           </a:p>
         </p:txBody>
       </p:sp>
@@ -4510,9 +4508,18 @@
           <a:p>
             <a:pPr eaLnBrk="1" hangingPunct="1"/>
             <a:r>
+              <a:rPr lang="en-US" dirty="0"/>
+              <a:t>Case Study </a:t>
+            </a:r>
+            <a:r>
               <a:rPr lang="en-US" dirty="0" smtClean="0"/>
-              <a:t>Management Process - Coaster BKT</a:t>
-            </a:r>
+              <a:t>- </a:t>
+            </a:r>
+            <a:r>
+              <a:rPr lang="en-US" dirty="0"/>
+              <a:t>Coaster Brook Trout</a:t>
+            </a:r>
+            <a:endParaRPr lang="en-US" dirty="0" smtClean="0"/>
           </a:p>
         </p:txBody>
       </p:sp>
@@ -5039,7 +5046,6 @@
               <a:rPr lang="en-US" smtClean="0"/>
               <a:t>Management Process</a:t>
             </a:r>
-            <a:endParaRPr lang="en-US" smtClean="0"/>
           </a:p>
         </p:txBody>
       </p:sp>
@@ -5317,9 +5323,18 @@
           <a:p>
             <a:pPr eaLnBrk="1" hangingPunct="1"/>
             <a:r>
+              <a:rPr lang="en-US" dirty="0"/>
+              <a:t>Case Study </a:t>
+            </a:r>
+            <a:r>
               <a:rPr lang="en-US" dirty="0" smtClean="0"/>
-              <a:t>Management Process - Coaster BKT</a:t>
-            </a:r>
+              <a:t>- </a:t>
+            </a:r>
+            <a:r>
+              <a:rPr lang="en-US" dirty="0"/>
+              <a:t>Coaster Brook Trout</a:t>
+            </a:r>
+            <a:endParaRPr lang="en-US" dirty="0" smtClean="0"/>
           </a:p>
         </p:txBody>
       </p:sp>
@@ -5605,7 +5620,6 @@
               <a:rPr lang="en-US" smtClean="0"/>
               <a:t>Management Process</a:t>
             </a:r>
-            <a:endParaRPr lang="en-US" smtClean="0"/>
           </a:p>
         </p:txBody>
       </p:sp>
@@ -7706,65 +7720,39 @@
             <p:ph idx="1"/>
           </p:nvPr>
         </p:nvSpPr>
-        <p:spPr/>
+        <p:spPr>
+          <a:xfrm>
+            <a:off x="457200" y="1752600"/>
+            <a:ext cx="4191000" cy="1447800"/>
+          </a:xfrm>
+        </p:spPr>
         <p:txBody>
           <a:bodyPr/>
           <a:lstStyle/>
           <a:p>
             <a:r>
-              <a:rPr lang="en-US" dirty="0" err="1" smtClean="0"/>
+              <a:rPr lang="en-US" b="1" dirty="0" err="1" smtClean="0"/>
               <a:t>Gurnoe</a:t>
             </a:r>
             <a:r>
-              <a:rPr lang="en-US" dirty="0" smtClean="0"/>
+              <a:rPr lang="en-US" b="1" dirty="0" smtClean="0"/>
               <a:t> Decision</a:t>
             </a:r>
           </a:p>
           <a:p>
             <a:r>
-              <a:rPr lang="en-US" dirty="0" err="1" smtClean="0"/>
+              <a:rPr lang="en-US" b="1" dirty="0" err="1" smtClean="0"/>
               <a:t>Tribble</a:t>
             </a:r>
             <a:r>
-              <a:rPr lang="en-US" dirty="0" smtClean="0"/>
-              <a:t> Brothers</a:t>
-            </a:r>
-          </a:p>
-          <a:p>
-            <a:r>
-              <a:rPr lang="en-US" dirty="0" smtClean="0"/>
-              <a:t>Place of the Pike</a:t>
-            </a:r>
-          </a:p>
-          <a:p>
-            <a:r>
-              <a:rPr lang="en-US" dirty="0" err="1" smtClean="0"/>
-              <a:t>Jondreau</a:t>
-            </a:r>
-            <a:r>
-              <a:rPr lang="en-US" dirty="0" smtClean="0"/>
-              <a:t> Decision</a:t>
-            </a:r>
-          </a:p>
-          <a:p>
-            <a:endParaRPr lang="en-US" dirty="0" smtClean="0"/>
-          </a:p>
-          <a:p>
-            <a:r>
-              <a:rPr lang="en-US" dirty="0" err="1" smtClean="0"/>
-              <a:t>Focuse</a:t>
-            </a:r>
-            <a:r>
-              <a:rPr lang="en-US" dirty="0" smtClean="0"/>
-              <a:t> of these videos?? Ecological, Economic, Political, Sociocultural??</a:t>
-            </a:r>
-            <a:endParaRPr lang="en-US" dirty="0"/>
-          </a:p>
-          <a:p>
-            <a:pPr marL="0" indent="0">
-              <a:buNone/>
-            </a:pPr>
-            <a:endParaRPr lang="en-US" dirty="0"/>
+              <a:rPr lang="en-US" b="1" dirty="0" smtClean="0"/>
+              <a:t> </a:t>
+            </a:r>
+            <a:r>
+              <a:rPr lang="en-US" b="1" dirty="0" smtClean="0"/>
+              <a:t>Brothers</a:t>
+            </a:r>
+            <a:endParaRPr lang="en-US" b="1" dirty="0"/>
           </a:p>
         </p:txBody>
       </p:sp>
@@ -7820,6 +7808,281 @@
               <a:t>4</a:t>
             </a:fld>
             <a:endParaRPr lang="en-US"/>
+          </a:p>
+        </p:txBody>
+      </p:sp>
+      <p:sp>
+        <p:nvSpPr>
+          <p:cNvPr id="6" name="TextBox 5"/>
+          <p:cNvSpPr txBox="1"/>
+          <p:nvPr/>
+        </p:nvSpPr>
+        <p:spPr>
+          <a:xfrm>
+            <a:off x="457200" y="3581400"/>
+            <a:ext cx="8153400" cy="1815882"/>
+          </a:xfrm>
+          <a:prstGeom prst="rect">
+            <a:avLst/>
+          </a:prstGeom>
+          <a:solidFill>
+            <a:srgbClr val="FFFF99"/>
+          </a:solidFill>
+          <a:ln w="25400">
+            <a:solidFill>
+              <a:schemeClr val="accent1"/>
+            </a:solidFill>
+          </a:ln>
+          <a:effectLst>
+            <a:outerShdw blurRad="50800" dist="38100" dir="2700000" algn="tl" rotWithShape="0">
+              <a:prstClr val="black">
+                <a:alpha val="40000"/>
+              </a:prstClr>
+            </a:outerShdw>
+          </a:effectLst>
+        </p:spPr>
+        <p:txBody>
+          <a:bodyPr wrap="square" rtlCol="0">
+            <a:spAutoFit/>
+          </a:bodyPr>
+          <a:lstStyle/>
+          <a:p>
+            <a:pPr marL="285750" indent="-285750">
+              <a:buFont typeface="Arial" panose="020B0604020202020204" pitchFamily="34" charset="0"/>
+              <a:buChar char="•"/>
+            </a:pPr>
+            <a:r>
+              <a:rPr lang="en-US" sz="2800" dirty="0" smtClean="0"/>
+              <a:t>Summarize. What was focus of the story?</a:t>
+            </a:r>
+          </a:p>
+          <a:p>
+            <a:pPr marL="285750" indent="-285750">
+              <a:buFont typeface="Arial" panose="020B0604020202020204" pitchFamily="34" charset="0"/>
+              <a:buChar char="•"/>
+            </a:pPr>
+            <a:endParaRPr lang="en-US" sz="2800" dirty="0" smtClean="0"/>
+          </a:p>
+          <a:p>
+            <a:pPr marL="285750" indent="-285750">
+              <a:buFont typeface="Arial" panose="020B0604020202020204" pitchFamily="34" charset="0"/>
+              <a:buChar char="•"/>
+            </a:pPr>
+            <a:r>
+              <a:rPr lang="en-US" sz="2800" dirty="0" smtClean="0"/>
+              <a:t>Environments discussed (Ecological, Economic, Political, Sociocultural)?</a:t>
+            </a:r>
+            <a:endParaRPr lang="en-US" sz="2800" dirty="0"/>
+          </a:p>
+        </p:txBody>
+      </p:sp>
+      <p:sp>
+        <p:nvSpPr>
+          <p:cNvPr id="7" name="Content Placeholder 2"/>
+          <p:cNvSpPr txBox="1">
+            <a:spLocks/>
+          </p:cNvSpPr>
+          <p:nvPr/>
+        </p:nvSpPr>
+        <p:spPr bwMode="auto">
+          <a:xfrm>
+            <a:off x="4648200" y="1752600"/>
+            <a:ext cx="4191000" cy="1371600"/>
+          </a:xfrm>
+          <a:prstGeom prst="rect">
+            <a:avLst/>
+          </a:prstGeom>
+          <a:noFill/>
+          <a:ln>
+            <a:noFill/>
+          </a:ln>
+          <a:extLst>
+            <a:ext uri="{909E8E84-426E-40DD-AFC4-6F175D3DCCD1}">
+              <a14:hiddenFill xmlns:a14="http://schemas.microsoft.com/office/drawing/2010/main">
+                <a:solidFill>
+                  <a:srgbClr val="FFFFFF"/>
+                </a:solidFill>
+              </a14:hiddenFill>
+            </a:ext>
+            <a:ext uri="{91240B29-F687-4F45-9708-019B960494DF}">
+              <a14:hiddenLine xmlns:a14="http://schemas.microsoft.com/office/drawing/2010/main" w="9525">
+                <a:solidFill>
+                  <a:srgbClr val="000000"/>
+                </a:solidFill>
+                <a:miter lim="800000"/>
+                <a:headEnd/>
+                <a:tailEnd/>
+              </a14:hiddenLine>
+            </a:ext>
+          </a:extLst>
+        </p:spPr>
+        <p:txBody>
+          <a:bodyPr vert="horz" wrap="square" lIns="91440" tIns="45720" rIns="91440" bIns="45720" numCol="1" anchor="t" anchorCtr="0" compatLnSpc="1">
+            <a:prstTxWarp prst="textNoShape">
+              <a:avLst/>
+            </a:prstTxWarp>
+          </a:bodyPr>
+          <a:lstStyle>
+            <a:lvl1pPr marL="342900" indent="-342900" algn="l" rtl="0" eaLnBrk="0" fontAlgn="base" hangingPunct="0">
+              <a:spcBef>
+                <a:spcPct val="20000"/>
+              </a:spcBef>
+              <a:spcAft>
+                <a:spcPct val="0"/>
+              </a:spcAft>
+              <a:buChar char="•"/>
+              <a:defRPr sz="3200">
+                <a:solidFill>
+                  <a:schemeClr val="tx1"/>
+                </a:solidFill>
+                <a:latin typeface="+mn-lt"/>
+                <a:ea typeface="+mn-ea"/>
+                <a:cs typeface="+mn-cs"/>
+              </a:defRPr>
+            </a:lvl1pPr>
+            <a:lvl2pPr marL="742950" indent="-285750" algn="l" rtl="0" eaLnBrk="0" fontAlgn="base" hangingPunct="0">
+              <a:spcBef>
+                <a:spcPct val="20000"/>
+              </a:spcBef>
+              <a:spcAft>
+                <a:spcPct val="0"/>
+              </a:spcAft>
+              <a:buChar char="–"/>
+              <a:defRPr sz="2800">
+                <a:solidFill>
+                  <a:schemeClr val="tx1"/>
+                </a:solidFill>
+                <a:latin typeface="+mn-lt"/>
+              </a:defRPr>
+            </a:lvl2pPr>
+            <a:lvl3pPr marL="1143000" indent="-228600" algn="l" rtl="0" eaLnBrk="0" fontAlgn="base" hangingPunct="0">
+              <a:spcBef>
+                <a:spcPct val="20000"/>
+              </a:spcBef>
+              <a:spcAft>
+                <a:spcPct val="0"/>
+              </a:spcAft>
+              <a:buChar char="•"/>
+              <a:defRPr sz="2400">
+                <a:solidFill>
+                  <a:schemeClr val="tx1"/>
+                </a:solidFill>
+                <a:latin typeface="+mn-lt"/>
+              </a:defRPr>
+            </a:lvl3pPr>
+            <a:lvl4pPr marL="1600200" indent="-228600" algn="l" rtl="0" eaLnBrk="0" fontAlgn="base" hangingPunct="0">
+              <a:spcBef>
+                <a:spcPct val="20000"/>
+              </a:spcBef>
+              <a:spcAft>
+                <a:spcPct val="0"/>
+              </a:spcAft>
+              <a:buChar char="–"/>
+              <a:defRPr sz="2000">
+                <a:solidFill>
+                  <a:schemeClr val="tx1"/>
+                </a:solidFill>
+                <a:latin typeface="+mn-lt"/>
+              </a:defRPr>
+            </a:lvl4pPr>
+            <a:lvl5pPr marL="2057400" indent="-228600" algn="l" rtl="0" eaLnBrk="0" fontAlgn="base" hangingPunct="0">
+              <a:spcBef>
+                <a:spcPct val="20000"/>
+              </a:spcBef>
+              <a:spcAft>
+                <a:spcPct val="0"/>
+              </a:spcAft>
+              <a:buChar char="»"/>
+              <a:defRPr sz="2000">
+                <a:solidFill>
+                  <a:schemeClr val="tx1"/>
+                </a:solidFill>
+                <a:latin typeface="+mn-lt"/>
+              </a:defRPr>
+            </a:lvl5pPr>
+            <a:lvl6pPr marL="2514600" indent="-228600" algn="l" rtl="0" fontAlgn="base">
+              <a:spcBef>
+                <a:spcPct val="20000"/>
+              </a:spcBef>
+              <a:spcAft>
+                <a:spcPct val="0"/>
+              </a:spcAft>
+              <a:buChar char="»"/>
+              <a:defRPr sz="2000">
+                <a:solidFill>
+                  <a:schemeClr val="tx1"/>
+                </a:solidFill>
+                <a:latin typeface="+mn-lt"/>
+              </a:defRPr>
+            </a:lvl6pPr>
+            <a:lvl7pPr marL="2971800" indent="-228600" algn="l" rtl="0" fontAlgn="base">
+              <a:spcBef>
+                <a:spcPct val="20000"/>
+              </a:spcBef>
+              <a:spcAft>
+                <a:spcPct val="0"/>
+              </a:spcAft>
+              <a:buChar char="»"/>
+              <a:defRPr sz="2000">
+                <a:solidFill>
+                  <a:schemeClr val="tx1"/>
+                </a:solidFill>
+                <a:latin typeface="+mn-lt"/>
+              </a:defRPr>
+            </a:lvl7pPr>
+            <a:lvl8pPr marL="3429000" indent="-228600" algn="l" rtl="0" fontAlgn="base">
+              <a:spcBef>
+                <a:spcPct val="20000"/>
+              </a:spcBef>
+              <a:spcAft>
+                <a:spcPct val="0"/>
+              </a:spcAft>
+              <a:buChar char="»"/>
+              <a:defRPr sz="2000">
+                <a:solidFill>
+                  <a:schemeClr val="tx1"/>
+                </a:solidFill>
+                <a:latin typeface="+mn-lt"/>
+              </a:defRPr>
+            </a:lvl8pPr>
+            <a:lvl9pPr marL="3886200" indent="-228600" algn="l" rtl="0" fontAlgn="base">
+              <a:spcBef>
+                <a:spcPct val="20000"/>
+              </a:spcBef>
+              <a:spcAft>
+                <a:spcPct val="0"/>
+              </a:spcAft>
+              <a:buChar char="»"/>
+              <a:defRPr sz="2000">
+                <a:solidFill>
+                  <a:schemeClr val="tx1"/>
+                </a:solidFill>
+                <a:latin typeface="+mn-lt"/>
+              </a:defRPr>
+            </a:lvl9pPr>
+          </a:lstStyle>
+          <a:p>
+            <a:r>
+              <a:rPr lang="en-US" b="1" kern="0" dirty="0" smtClean="0"/>
+              <a:t>Place of the Pike</a:t>
+            </a:r>
+          </a:p>
+          <a:p>
+            <a:r>
+              <a:rPr lang="en-US" b="1" kern="0" dirty="0" err="1" smtClean="0"/>
+              <a:t>Jondreau</a:t>
+            </a:r>
+            <a:r>
+              <a:rPr lang="en-US" b="1" kern="0" dirty="0" smtClean="0"/>
+              <a:t> Decision</a:t>
+            </a:r>
+          </a:p>
+          <a:p>
+            <a:pPr marL="0" indent="0">
+              <a:buFontTx/>
+              <a:buNone/>
+            </a:pPr>
+            <a:endParaRPr lang="en-US" b="1" kern="0" dirty="0"/>
           </a:p>
         </p:txBody>
       </p:sp>
@@ -7867,156 +8130,9 @@
                                           </p:stCondLst>
                                         </p:cTn>
                                         <p:tgtEl>
-                                          <p:spTgt spid="3">
-                                            <p:txEl>
-                                              <p:pRg st="1" end="1"/>
-                                            </p:txEl>
-                                          </p:spTgt>
-                                        </p:tgtEl>
-                                        <p:attrNameLst>
-                                          <p:attrName>style.visibility</p:attrName>
-                                        </p:attrNameLst>
-                                      </p:cBhvr>
-                                      <p:to>
-                                        <p:strVal val="visible"/>
-                                      </p:to>
-                                    </p:set>
-                                  </p:childTnLst>
-                                </p:cTn>
-                              </p:par>
-                            </p:childTnLst>
-                          </p:cTn>
-                        </p:par>
-                      </p:childTnLst>
-                    </p:cTn>
-                  </p:par>
-                  <p:par>
-                    <p:cTn id="7" fill="hold">
-                      <p:stCondLst>
-                        <p:cond delay="indefinite"/>
-                      </p:stCondLst>
-                      <p:childTnLst>
-                        <p:par>
-                          <p:cTn id="8" fill="hold">
-                            <p:stCondLst>
-                              <p:cond delay="0"/>
-                            </p:stCondLst>
-                            <p:childTnLst>
-                              <p:par>
-                                <p:cTn id="9" presetID="1" presetClass="entr" presetSubtype="0" fill="hold" grpId="0" nodeType="clickEffect">
-                                  <p:stCondLst>
-                                    <p:cond delay="0"/>
-                                  </p:stCondLst>
-                                  <p:childTnLst>
-                                    <p:set>
-                                      <p:cBhvr>
-                                        <p:cTn id="10" dur="1" fill="hold">
-                                          <p:stCondLst>
-                                            <p:cond delay="0"/>
-                                          </p:stCondLst>
-                                        </p:cTn>
-                                        <p:tgtEl>
-                                          <p:spTgt spid="3">
+                                          <p:spTgt spid="6">
                                             <p:txEl>
                                               <p:pRg st="2" end="2"/>
-                                            </p:txEl>
-                                          </p:spTgt>
-                                        </p:tgtEl>
-                                        <p:attrNameLst>
-                                          <p:attrName>style.visibility</p:attrName>
-                                        </p:attrNameLst>
-                                      </p:cBhvr>
-                                      <p:to>
-                                        <p:strVal val="visible"/>
-                                      </p:to>
-                                    </p:set>
-                                  </p:childTnLst>
-                                </p:cTn>
-                              </p:par>
-                            </p:childTnLst>
-                          </p:cTn>
-                        </p:par>
-                      </p:childTnLst>
-                    </p:cTn>
-                  </p:par>
-                  <p:par>
-                    <p:cTn id="11" fill="hold">
-                      <p:stCondLst>
-                        <p:cond delay="indefinite"/>
-                      </p:stCondLst>
-                      <p:childTnLst>
-                        <p:par>
-                          <p:cTn id="12" fill="hold">
-                            <p:stCondLst>
-                              <p:cond delay="0"/>
-                            </p:stCondLst>
-                            <p:childTnLst>
-                              <p:par>
-                                <p:cTn id="13" presetID="1" presetClass="entr" presetSubtype="0" fill="hold" grpId="0" nodeType="clickEffect">
-                                  <p:stCondLst>
-                                    <p:cond delay="0"/>
-                                  </p:stCondLst>
-                                  <p:childTnLst>
-                                    <p:set>
-                                      <p:cBhvr>
-                                        <p:cTn id="14" dur="1" fill="hold">
-                                          <p:stCondLst>
-                                            <p:cond delay="0"/>
-                                          </p:stCondLst>
-                                        </p:cTn>
-                                        <p:tgtEl>
-                                          <p:spTgt spid="3">
-                                            <p:txEl>
-                                              <p:pRg st="3" end="3"/>
-                                            </p:txEl>
-                                          </p:spTgt>
-                                        </p:tgtEl>
-                                        <p:attrNameLst>
-                                          <p:attrName>style.visibility</p:attrName>
-                                        </p:attrNameLst>
-                                      </p:cBhvr>
-                                      <p:to>
-                                        <p:strVal val="visible"/>
-                                      </p:to>
-                                    </p:set>
-                                  </p:childTnLst>
-                                </p:cTn>
-                              </p:par>
-                            </p:childTnLst>
-                          </p:cTn>
-                        </p:par>
-                      </p:childTnLst>
-                    </p:cTn>
-                  </p:par>
-                  <p:par>
-                    <p:cTn id="15" fill="hold">
-                      <p:stCondLst>
-                        <p:cond delay="indefinite"/>
-                      </p:stCondLst>
-                      <p:childTnLst>
-                        <p:par>
-                          <p:cTn id="16" fill="hold">
-                            <p:stCondLst>
-                              <p:cond delay="0"/>
-                            </p:stCondLst>
-                            <p:childTnLst>
-                              <p:par>
-                                <p:cTn id="17" presetID="1" presetClass="entr" presetSubtype="0" fill="hold" grpId="0" nodeType="clickEffect">
-                                  <p:stCondLst>
-                                    <p:cond delay="0"/>
-                                  </p:stCondLst>
-                                  <p:childTnLst>
-                                    <p:set>
-                                      <p:cBhvr>
-                                        <p:cTn id="18" dur="1" fill="hold">
-                                          <p:stCondLst>
-                                            <p:cond delay="0"/>
-                                          </p:stCondLst>
-                                        </p:cTn>
-                                        <p:tgtEl>
-                                          <p:spTgt spid="3">
-                                            <p:txEl>
-                                              <p:pRg st="5" end="5"/>
                                             </p:txEl>
                                           </p:spTgt>
                                         </p:tgtEl>
@@ -8059,7 +8175,7 @@
       </p:par>
     </p:tnLst>
     <p:bldLst>
-      <p:bldP spid="3" grpId="0" uiExpand="1" build="p"/>
+      <p:bldP spid="6" grpId="0" uiExpand="1" build="p"/>
     </p:bldLst>
   </p:timing>
 </p:sld>
@@ -8221,7 +8337,6 @@
               <a:rPr lang="en-US" smtClean="0"/>
               <a:t>Management Process</a:t>
             </a:r>
-            <a:endParaRPr lang="en-US" smtClean="0"/>
           </a:p>
         </p:txBody>
       </p:sp>
@@ -8468,11 +8583,11 @@
   <p:clrMapOvr>
     <a:masterClrMapping/>
   </p:clrMapOvr>
-  <mc:AlternateContent xmlns:mc="http://schemas.openxmlformats.org/markup-compatibility/2006">
-    <mc:Choice xmlns:p14="http://schemas.microsoft.com/office/powerpoint/2010/main" Requires="p14">
+  <mc:AlternateContent xmlns:mc="http://schemas.openxmlformats.org/markup-compatibility/2006" xmlns:p14="http://schemas.microsoft.com/office/powerpoint/2010/main">
+    <mc:Choice Requires="p14">
       <p:transition spd="slow" p14:dur="2000"/>
     </mc:Choice>
-    <mc:Fallback>
+    <mc:Fallback xmlns="">
       <p:transition spd="slow"/>
     </mc:Fallback>
   </mc:AlternateContent>
@@ -8642,7 +8757,6 @@
               <a:rPr lang="en-US" smtClean="0"/>
               <a:t>Management Process</a:t>
             </a:r>
-            <a:endParaRPr lang="en-US" smtClean="0"/>
           </a:p>
         </p:txBody>
       </p:sp>
@@ -10068,7 +10182,6 @@
               <a:rPr lang="en-US" smtClean="0"/>
               <a:t>Management Process</a:t>
             </a:r>
-            <a:endParaRPr lang="en-US" smtClean="0"/>
           </a:p>
         </p:txBody>
       </p:sp>
@@ -13163,7 +13276,6 @@
               <a:rPr lang="en-US" smtClean="0"/>
               <a:t>Management Process</a:t>
             </a:r>
-            <a:endParaRPr lang="en-US" smtClean="0"/>
           </a:p>
         </p:txBody>
       </p:sp>
@@ -13804,8 +13916,17 @@
             <a:pPr eaLnBrk="1" hangingPunct="1"/>
             <a:r>
               <a:rPr lang="en-US" dirty="0" smtClean="0"/>
-              <a:t>Management Process - Coaster BKT</a:t>
-            </a:r>
+              <a:t>Case Study - </a:t>
+            </a:r>
+            <a:r>
+              <a:rPr lang="en-US" dirty="0" smtClean="0"/>
+              <a:t>Coaster </a:t>
+            </a:r>
+            <a:r>
+              <a:rPr lang="en-US" dirty="0" smtClean="0"/>
+              <a:t>Brook Trout</a:t>
+            </a:r>
+            <a:endParaRPr lang="en-US" dirty="0" smtClean="0"/>
           </a:p>
         </p:txBody>
       </p:sp>
@@ -14341,7 +14462,6 @@
               <a:rPr lang="en-US" smtClean="0"/>
               <a:t>Management Process</a:t>
             </a:r>
-            <a:endParaRPr lang="en-US" smtClean="0"/>
           </a:p>
         </p:txBody>
       </p:sp>
@@ -14719,9 +14839,18 @@
           <a:p>
             <a:pPr eaLnBrk="1" hangingPunct="1"/>
             <a:r>
+              <a:rPr lang="en-US" dirty="0"/>
+              <a:t>Case Study </a:t>
+            </a:r>
+            <a:r>
               <a:rPr lang="en-US" dirty="0" smtClean="0"/>
-              <a:t>Management Process - Coaster BKT</a:t>
-            </a:r>
+              <a:t>- </a:t>
+            </a:r>
+            <a:r>
+              <a:rPr lang="en-US" dirty="0"/>
+              <a:t>Coaster Brook Trout</a:t>
+            </a:r>
+            <a:endParaRPr lang="en-US" dirty="0" smtClean="0"/>
           </a:p>
         </p:txBody>
       </p:sp>
